--- a/02 fieldcustomizer.pptx
+++ b/02 fieldcustomizer.pptx
@@ -11,19 +11,19 @@
     <p:handoutMasterId r:id="rId17"/>
   </p:handoutMasterIdLst>
   <p:sldIdLst>
-    <p:sldId id="257" r:id="rId3"/>
-    <p:sldId id="263" r:id="rId4"/>
-    <p:sldId id="1557" r:id="rId5"/>
+    <p:sldId id="1582" r:id="rId3"/>
+    <p:sldId id="1583" r:id="rId4"/>
+    <p:sldId id="1584" r:id="rId5"/>
     <p:sldId id="1561" r:id="rId6"/>
-    <p:sldId id="1559" r:id="rId7"/>
-    <p:sldId id="1552" r:id="rId8"/>
-    <p:sldId id="1558" r:id="rId9"/>
-    <p:sldId id="1553" r:id="rId10"/>
-    <p:sldId id="265" r:id="rId11"/>
-    <p:sldId id="283" r:id="rId12"/>
-    <p:sldId id="279" r:id="rId13"/>
-    <p:sldId id="261" r:id="rId14"/>
-    <p:sldId id="260" r:id="rId15"/>
+    <p:sldId id="1585" r:id="rId7"/>
+    <p:sldId id="1586" r:id="rId8"/>
+    <p:sldId id="1587" r:id="rId9"/>
+    <p:sldId id="1588" r:id="rId10"/>
+    <p:sldId id="1589" r:id="rId11"/>
+    <p:sldId id="1590" r:id="rId12"/>
+    <p:sldId id="1591" r:id="rId13"/>
+    <p:sldId id="1592" r:id="rId14"/>
+    <p:sldId id="1593" r:id="rId15"/>
   </p:sldIdLst>
   <p:sldSz cx="12436475" cy="6994525"/>
   <p:notesSz cx="6858000" cy="9144000"/>
@@ -127,31 +127,31 @@
       <p14:sectionLst xmlns:p14="http://schemas.microsoft.com/office/powerpoint/2010/main">
         <p14:section name="intro" id="{E1FBED56-7E21-C94D-8049-451270E8C32A}">
           <p14:sldIdLst>
-            <p14:sldId id="257"/>
-            <p14:sldId id="263"/>
+            <p14:sldId id="1582"/>
+            <p14:sldId id="1583"/>
           </p14:sldIdLst>
         </p14:section>
-        <p14:section name="overview" id="{3A7429EF-79F1-A44F-B2E7-33EA665B892A}">
+        <p14:section name="extensions intro" id="{7AD6C352-0A45-444E-B8F9-8D2038BF74CA}">
           <p14:sldIdLst>
-            <p14:sldId id="1557"/>
+            <p14:sldId id="1584"/>
             <p14:sldId id="1561"/>
-            <p14:sldId id="1559"/>
+            <p14:sldId id="1585"/>
           </p14:sldIdLst>
         </p14:section>
-        <p14:section name="testing" id="{93F69F9F-77AE-7843-8802-6B2271D20D68}">
+        <p14:section name="testing" id="{8E3AA920-E048-4638-9677-E7ABDDCA76E7}">
           <p14:sldIdLst>
-            <p14:sldId id="1552"/>
-            <p14:sldId id="1558"/>
-            <p14:sldId id="1553"/>
-            <p14:sldId id="265"/>
+            <p14:sldId id="1586"/>
+            <p14:sldId id="1587"/>
+            <p14:sldId id="1588"/>
+            <p14:sldId id="1589"/>
           </p14:sldIdLst>
         </p14:section>
-        <p14:section name="outro" id="{E93196B6-EFE2-3242-B776-C77C0FCFFEF1}">
+        <p14:section name="outro" id="{BF29E249-6E71-4BBE-B175-E1751A1C0B1C}">
           <p14:sldIdLst>
-            <p14:sldId id="283"/>
-            <p14:sldId id="279"/>
-            <p14:sldId id="261"/>
-            <p14:sldId id="260"/>
+            <p14:sldId id="1590"/>
+            <p14:sldId id="1591"/>
+            <p14:sldId id="1592"/>
+            <p14:sldId id="1593"/>
           </p14:sldIdLst>
         </p14:section>
       </p14:sectionLst>
@@ -232,9 +232,12 @@
             </a:lvl1pPr>
           </a:lstStyle>
           <a:p>
-            <a:endParaRPr lang="en-US" dirty="0">
-              <a:latin typeface="Segoe UI" pitchFamily="34" charset="0"/>
-            </a:endParaRPr>
+            <a:r>
+              <a:rPr lang="en-US" dirty="0">
+                <a:latin typeface="Segoe UI" pitchFamily="34" charset="0"/>
+              </a:rPr>
+              <a:t>SharePoint Framework</a:t>
+            </a:r>
           </a:p>
         </p:txBody>
       </p:sp>
@@ -269,7 +272,7 @@
               <a:rPr lang="en-US" smtClean="0">
                 <a:latin typeface="Segoe UI" pitchFamily="34" charset="0"/>
               </a:rPr>
-              <a:t>12/11/18 1:40 PM</a:t>
+              <a:t>12/20/2018 4:10 PM</a:t>
             </a:fld>
             <a:endParaRPr lang="en-US" dirty="0">
               <a:latin typeface="Segoe UI" pitchFamily="34" charset="0"/>
@@ -429,7 +432,10 @@
             </a:lvl1pPr>
           </a:lstStyle>
           <a:p>
-            <a:endParaRPr lang="en-US" dirty="0"/>
+            <a:r>
+              <a:rPr lang="en-US" dirty="0"/>
+              <a:t>SharePoint Framework</a:t>
+            </a:r>
           </a:p>
         </p:txBody>
       </p:sp>
@@ -563,7 +569,7 @@
           <a:p>
             <a:fld id="{D18B56EA-E28F-4F92-9F16-7A6F2501B303}" type="datetime8">
               <a:rPr lang="en-US" smtClean="0"/>
-              <a:t>12/11/18 1:40 PM</a:t>
+              <a:t>12/20/2018 4:10 PM</a:t>
             </a:fld>
             <a:endParaRPr lang="en-US" dirty="0"/>
           </a:p>
@@ -946,7 +952,7 @@
           <a:p>
             <a:fld id="{D18B56EA-E28F-4F92-9F16-7A6F2501B303}" type="datetime8">
               <a:rPr lang="en-US" smtClean="0"/>
-              <a:t>12/11/18 1:40 PM</a:t>
+              <a:t>12/20/2018 4:10 PM</a:t>
             </a:fld>
             <a:endParaRPr lang="en-US" dirty="0"/>
           </a:p>
@@ -1127,7 +1133,7 @@
           <a:p>
             <a:fld id="{D18B56EA-E28F-4F92-9F16-7A6F2501B303}" type="datetime8">
               <a:rPr lang="en-US" smtClean="0"/>
-              <a:t>12/11/18 1:40 PM</a:t>
+              <a:t>12/20/2018 4:10 PM</a:t>
             </a:fld>
             <a:endParaRPr lang="en-US" dirty="0"/>
           </a:p>
@@ -1308,7 +1314,7 @@
           <a:p>
             <a:fld id="{D18B56EA-E28F-4F92-9F16-7A6F2501B303}" type="datetime8">
               <a:rPr lang="en-US" smtClean="0"/>
-              <a:t>12/11/18 1:40 PM</a:t>
+              <a:t>12/20/2018 4:10 PM</a:t>
             </a:fld>
             <a:endParaRPr lang="en-US" dirty="0"/>
           </a:p>
@@ -1489,7 +1495,7 @@
           <a:p>
             <a:fld id="{D18B56EA-E28F-4F92-9F16-7A6F2501B303}" type="datetime8">
               <a:rPr lang="en-US" smtClean="0"/>
-              <a:t>12/11/18 1:40 PM</a:t>
+              <a:t>12/20/2018 4:10 PM</a:t>
             </a:fld>
             <a:endParaRPr lang="en-US" dirty="0"/>
           </a:p>
@@ -1670,7 +1676,7 @@
           <a:p>
             <a:fld id="{D18B56EA-E28F-4F92-9F16-7A6F2501B303}" type="datetime8">
               <a:rPr lang="en-US" smtClean="0"/>
-              <a:t>12/11/18 1:40 PM</a:t>
+              <a:t>12/20/2018 4:10 PM</a:t>
             </a:fld>
             <a:endParaRPr lang="en-US" dirty="0"/>
           </a:p>
@@ -1851,7 +1857,7 @@
           <a:p>
             <a:fld id="{D18B56EA-E28F-4F92-9F16-7A6F2501B303}" type="datetime8">
               <a:rPr lang="en-US" smtClean="0"/>
-              <a:t>12/11/18 1:40 PM</a:t>
+              <a:t>12/20/2018 4:10 PM</a:t>
             </a:fld>
             <a:endParaRPr lang="en-US" dirty="0"/>
           </a:p>
@@ -6130,7 +6136,7 @@
           <a:lstStyle/>
           <a:p>
             <a:r>
-              <a:rPr lang="en-US"/>
+              <a:rPr lang="en-US" dirty="0"/>
               <a:t>Click icon to add table</a:t>
             </a:r>
           </a:p>
@@ -6577,27 +6583,31 @@
             <p:ph type="title" hasCustomPrompt="1"/>
           </p:nvPr>
         </p:nvSpPr>
-        <p:spPr/>
+        <p:spPr>
+          <a:xfrm>
+            <a:off x="464400" y="633600"/>
+            <a:ext cx="11575200" cy="410369"/>
+          </a:xfrm>
+        </p:spPr>
         <p:txBody>
-          <a:bodyPr/>
+          <a:bodyPr vert="horz" wrap="square" lIns="0" tIns="0" rIns="0" bIns="0" rtlCol="0" anchor="t">
+            <a:spAutoFit/>
+          </a:bodyPr>
           <a:lstStyle>
             <a:lvl1pPr>
-              <a:defRPr>
-                <a:gradFill>
-                  <a:gsLst>
-                    <a:gs pos="1250">
-                      <a:schemeClr val="tx2"/>
-                    </a:gs>
-                    <a:gs pos="100000">
-                      <a:schemeClr val="tx2"/>
-                    </a:gs>
-                  </a:gsLst>
-                  <a:lin ang="5400000" scaled="0"/>
-                </a:gradFill>
+              <a:defRPr lang="en-US" sz="2800" dirty="0">
+                <a:solidFill>
+                  <a:srgbClr val="2F2F2F"/>
+                </a:solidFill>
               </a:defRPr>
             </a:lvl1pPr>
           </a:lstStyle>
           <a:p>
+            <a:pPr lvl="0">
+              <a:lnSpc>
+                <a:spcPts val="3200"/>
+              </a:lnSpc>
+            </a:pPr>
             <a:r>
               <a:rPr lang="en-US" dirty="0"/>
               <a:t>Slide for Developer Code</a:t>
@@ -6690,8 +6700,8 @@
         </p:nvSpPr>
         <p:spPr>
           <a:xfrm>
-            <a:off x="528849" y="1476622"/>
-            <a:ext cx="11378776" cy="2360774"/>
+            <a:off x="464400" y="1178952"/>
+            <a:ext cx="11575200" cy="2658444"/>
           </a:xfrm>
         </p:spPr>
         <p:txBody>
@@ -6806,38 +6816,37 @@
           <a:p>
             <a:pPr lvl="0"/>
             <a:r>
-              <a:rPr lang="en-US"/>
+              <a:rPr lang="en-US" dirty="0"/>
               <a:t>Click to edit Master text styles</a:t>
             </a:r>
           </a:p>
           <a:p>
             <a:pPr lvl="1"/>
             <a:r>
-              <a:rPr lang="en-US"/>
+              <a:rPr lang="en-US" dirty="0"/>
               <a:t>Second level</a:t>
             </a:r>
           </a:p>
           <a:p>
             <a:pPr lvl="2"/>
             <a:r>
-              <a:rPr lang="en-US"/>
+              <a:rPr lang="en-US" dirty="0"/>
               <a:t>Third level</a:t>
             </a:r>
           </a:p>
           <a:p>
             <a:pPr lvl="3"/>
             <a:r>
-              <a:rPr lang="en-US"/>
+              <a:rPr lang="en-US" dirty="0"/>
               <a:t>Fourth level</a:t>
             </a:r>
           </a:p>
           <a:p>
             <a:pPr lvl="4"/>
             <a:r>
-              <a:rPr lang="en-US"/>
+              <a:rPr lang="en-US" dirty="0"/>
               <a:t>Fifth level</a:t>
             </a:r>
-            <a:endParaRPr lang="en-US" dirty="0"/>
           </a:p>
         </p:txBody>
       </p:sp>
@@ -6874,36 +6883,6 @@
           <a:chExt cx="0" cy="0"/>
         </a:xfrm>
       </p:grpSpPr>
-      <p:pic>
-        <p:nvPicPr>
-          <p:cNvPr id="7" name="Picture 6"/>
-          <p:cNvPicPr>
-            <a:picLocks noChangeAspect="1"/>
-          </p:cNvPicPr>
-          <p:nvPr userDrawn="1"/>
-        </p:nvPicPr>
-        <p:blipFill>
-          <a:blip r:embed="rId2" cstate="screen">
-            <a:extLst>
-              <a:ext uri="{28A0092B-C50C-407E-A947-70E740481C1C}">
-                <a14:useLocalDpi xmlns:a14="http://schemas.microsoft.com/office/drawing/2010/main"/>
-              </a:ext>
-            </a:extLst>
-          </a:blip>
-          <a:stretch>
-            <a:fillRect/>
-          </a:stretch>
-        </p:blipFill>
-        <p:spPr>
-          <a:xfrm>
-            <a:off x="10933639" y="6533467"/>
-            <a:ext cx="1501954" cy="477297"/>
-          </a:xfrm>
-          <a:prstGeom prst="rect">
-            <a:avLst/>
-          </a:prstGeom>
-        </p:spPr>
-      </p:pic>
       <p:sp>
         <p:nvSpPr>
           <p:cNvPr id="2" name="Title 1"/>
@@ -6914,16 +6893,35 @@
             <p:ph type="title"/>
           </p:nvPr>
         </p:nvSpPr>
-        <p:spPr/>
+        <p:spPr>
+          <a:xfrm>
+            <a:off x="464400" y="633600"/>
+            <a:ext cx="11574000" cy="410369"/>
+          </a:xfrm>
+        </p:spPr>
         <p:txBody>
-          <a:bodyPr/>
-          <a:lstStyle/>
-          <a:p>
-            <a:r>
-              <a:rPr lang="en-US"/>
+          <a:bodyPr vert="horz" wrap="square" lIns="0" tIns="0" rIns="0" bIns="0" rtlCol="0" anchor="t">
+            <a:spAutoFit/>
+          </a:bodyPr>
+          <a:lstStyle>
+            <a:lvl1pPr>
+              <a:defRPr lang="en-US" sz="2800" dirty="0">
+                <a:solidFill>
+                  <a:srgbClr val="2F2F2F"/>
+                </a:solidFill>
+              </a:defRPr>
+            </a:lvl1pPr>
+          </a:lstStyle>
+          <a:p>
+            <a:pPr lvl="0">
+              <a:lnSpc>
+                <a:spcPts val="3200"/>
+              </a:lnSpc>
+            </a:pPr>
+            <a:r>
+              <a:rPr lang="en-US" dirty="0"/>
               <a:t>Click to edit Master title style</a:t>
             </a:r>
-            <a:endParaRPr lang="en-US" dirty="0"/>
           </a:p>
         </p:txBody>
       </p:sp>
@@ -6939,8 +6937,8 @@
         </p:nvSpPr>
         <p:spPr>
           <a:xfrm>
-            <a:off x="274638" y="1212850"/>
-            <a:ext cx="11887200" cy="1889748"/>
+            <a:off x="464400" y="1212850"/>
+            <a:ext cx="11574000" cy="1346522"/>
           </a:xfrm>
         </p:spPr>
         <p:txBody>
@@ -6948,7 +6946,7 @@
           <a:lstStyle>
             <a:lvl1pPr marL="0" indent="0">
               <a:buNone/>
-              <a:defRPr>
+              <a:defRPr sz="2400">
                 <a:solidFill>
                   <a:schemeClr val="tx2"/>
                 </a:solidFill>
@@ -6957,56 +6955,55 @@
             <a:lvl2pPr marL="0" indent="0">
               <a:buFontTx/>
               <a:buNone/>
-              <a:defRPr sz="2000"/>
+              <a:defRPr sz="1400"/>
             </a:lvl2pPr>
             <a:lvl3pPr marL="228600" indent="0">
               <a:buNone/>
-              <a:defRPr sz="1800"/>
+              <a:defRPr sz="1200"/>
             </a:lvl3pPr>
             <a:lvl4pPr marL="457200" indent="0">
               <a:buNone/>
-              <a:defRPr sz="1600"/>
+              <a:defRPr sz="1100"/>
             </a:lvl4pPr>
             <a:lvl5pPr marL="685800" indent="0">
               <a:buNone/>
-              <a:defRPr sz="1400"/>
+              <a:defRPr sz="1050"/>
             </a:lvl5pPr>
           </a:lstStyle>
           <a:p>
             <a:pPr lvl="0"/>
             <a:r>
-              <a:rPr lang="en-US"/>
+              <a:rPr lang="en-US" dirty="0"/>
               <a:t>Edit Master text styles</a:t>
             </a:r>
           </a:p>
           <a:p>
             <a:pPr lvl="1"/>
             <a:r>
-              <a:rPr lang="en-US"/>
+              <a:rPr lang="en-US" dirty="0"/>
               <a:t>Second level</a:t>
             </a:r>
           </a:p>
           <a:p>
             <a:pPr lvl="2"/>
             <a:r>
-              <a:rPr lang="en-US"/>
+              <a:rPr lang="en-US" dirty="0"/>
               <a:t>Third level</a:t>
             </a:r>
           </a:p>
           <a:p>
             <a:pPr lvl="3"/>
             <a:r>
-              <a:rPr lang="en-US"/>
+              <a:rPr lang="en-US" dirty="0"/>
               <a:t>Fourth level</a:t>
             </a:r>
           </a:p>
           <a:p>
             <a:pPr lvl="4"/>
             <a:r>
-              <a:rPr lang="en-US"/>
+              <a:rPr lang="en-US" dirty="0"/>
               <a:t>Fifth level</a:t>
             </a:r>
-            <a:endParaRPr lang="en-US" dirty="0"/>
           </a:p>
         </p:txBody>
       </p:sp>
@@ -7055,8 +7052,8 @@
         </p:nvSpPr>
         <p:spPr>
           <a:xfrm>
-            <a:off x="274638" y="1212850"/>
-            <a:ext cx="11887200" cy="2240229"/>
+            <a:off x="464400" y="1212850"/>
+            <a:ext cx="11574000" cy="1566583"/>
           </a:xfrm>
         </p:spPr>
         <p:txBody>
@@ -7064,51 +7061,56 @@
             <a:spAutoFit/>
           </a:bodyPr>
           <a:lstStyle>
+            <a:lvl1pPr>
+              <a:defRPr sz="2400"/>
+            </a:lvl1pPr>
+            <a:lvl2pPr>
+              <a:defRPr sz="1800"/>
+            </a:lvl2pPr>
             <a:lvl3pPr>
-              <a:defRPr sz="2399"/>
+              <a:defRPr sz="1600"/>
             </a:lvl3pPr>
             <a:lvl4pPr>
-              <a:defRPr sz="1999"/>
+              <a:defRPr sz="1400"/>
             </a:lvl4pPr>
             <a:lvl5pPr>
-              <a:defRPr sz="1999"/>
+              <a:defRPr sz="1400"/>
             </a:lvl5pPr>
           </a:lstStyle>
           <a:p>
             <a:pPr lvl="0"/>
             <a:r>
-              <a:rPr lang="en-US"/>
+              <a:rPr lang="en-US" dirty="0"/>
               <a:t>Edit Master text styles</a:t>
             </a:r>
           </a:p>
           <a:p>
             <a:pPr lvl="1"/>
             <a:r>
-              <a:rPr lang="en-US"/>
+              <a:rPr lang="en-US" dirty="0"/>
               <a:t>Second level</a:t>
             </a:r>
           </a:p>
           <a:p>
             <a:pPr lvl="2"/>
             <a:r>
-              <a:rPr lang="en-US"/>
+              <a:rPr lang="en-US" dirty="0"/>
               <a:t>Third level</a:t>
             </a:r>
           </a:p>
           <a:p>
             <a:pPr lvl="3"/>
             <a:r>
-              <a:rPr lang="en-US"/>
+              <a:rPr lang="en-US" dirty="0"/>
               <a:t>Fourth level</a:t>
             </a:r>
           </a:p>
           <a:p>
             <a:pPr lvl="4"/>
             <a:r>
-              <a:rPr lang="en-US"/>
+              <a:rPr lang="en-US" dirty="0"/>
               <a:t>Fifth level</a:t>
             </a:r>
-            <a:endParaRPr lang="en-US" dirty="0"/>
           </a:p>
         </p:txBody>
       </p:sp>
@@ -7122,13 +7124,33 @@
             <p:ph type="title"/>
           </p:nvPr>
         </p:nvSpPr>
-        <p:spPr/>
+        <p:spPr>
+          <a:xfrm>
+            <a:off x="464400" y="633600"/>
+            <a:ext cx="11574000" cy="410369"/>
+          </a:xfrm>
+        </p:spPr>
         <p:txBody>
-          <a:bodyPr/>
-          <a:lstStyle/>
-          <a:p>
-            <a:r>
-              <a:rPr lang="en-US"/>
+          <a:bodyPr vert="horz" wrap="square" lIns="0" tIns="0" rIns="0" bIns="0" rtlCol="0" anchor="t">
+            <a:spAutoFit/>
+          </a:bodyPr>
+          <a:lstStyle>
+            <a:lvl1pPr>
+              <a:defRPr lang="en-US" sz="2800">
+                <a:solidFill>
+                  <a:srgbClr val="2F2F2F"/>
+                </a:solidFill>
+              </a:defRPr>
+            </a:lvl1pPr>
+          </a:lstStyle>
+          <a:p>
+            <a:pPr lvl="0">
+              <a:lnSpc>
+                <a:spcPts val="3200"/>
+              </a:lnSpc>
+            </a:pPr>
+            <a:r>
+              <a:rPr lang="en-US" dirty="0"/>
               <a:t>Click to edit Master title style</a:t>
             </a:r>
           </a:p>
@@ -7137,7 +7159,7 @@
     </p:spTree>
     <p:extLst>
       <p:ext uri="{BB962C8B-B14F-4D97-AF65-F5344CB8AC3E}">
-        <p14:creationId xmlns:p14="http://schemas.microsoft.com/office/powerpoint/2010/main" val="3733558018"/>
+        <p14:creationId xmlns:p14="http://schemas.microsoft.com/office/powerpoint/2010/main" val="2439250095"/>
       </p:ext>
     </p:extLst>
   </p:cSld>
@@ -14048,7 +14070,7 @@
     <p:sldLayoutId id="2147484299" r:id="rId25"/>
     <p:sldLayoutId id="2147484552" r:id="rId26"/>
     <p:sldLayoutId id="2147484556" r:id="rId27"/>
-    <p:sldLayoutId id="2147484558" r:id="rId28"/>
+    <p:sldLayoutId id="2147484559" r:id="rId28"/>
   </p:sldLayoutIdLst>
   <p:transition>
     <p:fade/>
@@ -14604,7 +14626,7 @@
     </p:spTree>
     <p:extLst>
       <p:ext uri="{BB962C8B-B14F-4D97-AF65-F5344CB8AC3E}">
-        <p14:creationId xmlns:p14="http://schemas.microsoft.com/office/powerpoint/2010/main" val="699719167"/>
+        <p14:creationId xmlns:p14="http://schemas.microsoft.com/office/powerpoint/2010/main" val="3695418073"/>
       </p:ext>
     </p:extLst>
   </p:cSld>
@@ -15104,7 +15126,7 @@
     </p:spTree>
     <p:extLst>
       <p:ext uri="{BB962C8B-B14F-4D97-AF65-F5344CB8AC3E}">
-        <p14:creationId xmlns:p14="http://schemas.microsoft.com/office/powerpoint/2010/main" val="2509242320"/>
+        <p14:creationId xmlns:p14="http://schemas.microsoft.com/office/powerpoint/2010/main" val="3666565136"/>
       </p:ext>
     </p:extLst>
   </p:cSld>
@@ -15489,7 +15511,7 @@
     </p:spTree>
     <p:extLst>
       <p:ext uri="{BB962C8B-B14F-4D97-AF65-F5344CB8AC3E}">
-        <p14:creationId xmlns:p14="http://schemas.microsoft.com/office/powerpoint/2010/main" val="3724015835"/>
+        <p14:creationId xmlns:p14="http://schemas.microsoft.com/office/powerpoint/2010/main" val="1202561539"/>
       </p:ext>
     </p:extLst>
   </p:cSld>
@@ -15531,7 +15553,7 @@
     </p:spTree>
     <p:extLst>
       <p:ext uri="{BB962C8B-B14F-4D97-AF65-F5344CB8AC3E}">
-        <p14:creationId xmlns:p14="http://schemas.microsoft.com/office/powerpoint/2010/main" val="3660847957"/>
+        <p14:creationId xmlns:p14="http://schemas.microsoft.com/office/powerpoint/2010/main" val="3880822525"/>
       </p:ext>
     </p:extLst>
   </p:cSld>
@@ -15780,7 +15802,7 @@
     </p:spTree>
     <p:extLst>
       <p:ext uri="{BB962C8B-B14F-4D97-AF65-F5344CB8AC3E}">
-        <p14:creationId xmlns:p14="http://schemas.microsoft.com/office/powerpoint/2010/main" val="60090990"/>
+        <p14:creationId xmlns:p14="http://schemas.microsoft.com/office/powerpoint/2010/main" val="1413434741"/>
       </p:ext>
     </p:extLst>
   </p:cSld>
@@ -15838,7 +15860,7 @@
         <p:spPr>
           <a:xfrm>
             <a:off x="274638" y="1212850"/>
-            <a:ext cx="11887200" cy="4271939"/>
+            <a:ext cx="11887200" cy="3564053"/>
           </a:xfrm>
         </p:spPr>
         <p:txBody>
@@ -15851,6 +15873,9 @@
             </a:r>
           </a:p>
           <a:p>
+            <a:endParaRPr lang="en-US" dirty="0"/>
+          </a:p>
+          <a:p>
             <a:r>
               <a:rPr lang="en-US" dirty="0"/>
               <a:t>Similar to pre-</a:t>
@@ -15868,7 +15893,7 @@
             <a:pPr lvl="1"/>
             <a:r>
               <a:rPr lang="en-US" dirty="0"/>
-              <a:t>Client Side Rendering (CSR)</a:t>
+              <a:t>Client-Side Rendering (CSR)</a:t>
             </a:r>
           </a:p>
           <a:p>
@@ -15877,6 +15902,10 @@
               <a:rPr lang="en-US" dirty="0" err="1"/>
               <a:t>JSLink</a:t>
             </a:r>
+            <a:endParaRPr lang="en-US" dirty="0"/>
+          </a:p>
+          <a:p>
+            <a:pPr lvl="1"/>
             <a:endParaRPr lang="en-US" dirty="0"/>
           </a:p>
           <a:p>
@@ -16262,14 +16291,19 @@
             <p:ph type="title"/>
           </p:nvPr>
         </p:nvSpPr>
-        <p:spPr/>
+        <p:spPr>
+          <a:xfrm>
+            <a:off x="464400" y="633600"/>
+            <a:ext cx="11575200" cy="387798"/>
+          </a:xfrm>
+        </p:spPr>
         <p:txBody>
           <a:bodyPr/>
           <a:lstStyle/>
           <a:p>
             <a:r>
               <a:rPr lang="en-US" dirty="0"/>
-              <a:t>Deploying Field Customizers as Site Columns</a:t>
+              <a:t>Deploying Field Customizers as a Site Column</a:t>
             </a:r>
           </a:p>
         </p:txBody>
@@ -16550,7 +16584,7 @@
     </p:spTree>
     <p:extLst>
       <p:ext uri="{BB962C8B-B14F-4D97-AF65-F5344CB8AC3E}">
-        <p14:creationId xmlns:p14="http://schemas.microsoft.com/office/powerpoint/2010/main" val="2219438280"/>
+        <p14:creationId xmlns:p14="http://schemas.microsoft.com/office/powerpoint/2010/main" val="746998359"/>
       </p:ext>
     </p:extLst>
   </p:cSld>
@@ -16733,8 +16767,8 @@
         </p:nvSpPr>
         <p:spPr>
           <a:xfrm>
-            <a:off x="274638" y="1212850"/>
-            <a:ext cx="11887200" cy="4905958"/>
+            <a:off x="464400" y="1212850"/>
+            <a:ext cx="11574000" cy="3970318"/>
           </a:xfrm>
         </p:spPr>
         <p:txBody>
@@ -16759,7 +16793,7 @@
           <a:p>
             <a:r>
               <a:rPr lang="en-US" dirty="0"/>
-              <a:t>Provisioned as a new site column</a:t>
+              <a:t>Can be provisioned as a new site column</a:t>
             </a:r>
           </a:p>
           <a:p>
@@ -16784,6 +16818,39 @@
             <a:r>
               <a:rPr lang="en-US" dirty="0"/>
               <a:t>Install app to add site column</a:t>
+            </a:r>
+          </a:p>
+          <a:p>
+            <a:pPr lvl="1"/>
+            <a:endParaRPr lang="en-US" dirty="0"/>
+          </a:p>
+          <a:p>
+            <a:r>
+              <a:rPr lang="en-US" dirty="0"/>
+              <a:t>Can be also associated to existing site columns or fields in the SharePoint sites</a:t>
+            </a:r>
+          </a:p>
+          <a:p>
+            <a:pPr lvl="1"/>
+            <a:r>
+              <a:rPr lang="en-US" dirty="0"/>
+              <a:t>Set </a:t>
+            </a:r>
+            <a:r>
+              <a:rPr lang="en-US" dirty="0" err="1"/>
+              <a:t>ClientSideComponentId</a:t>
+            </a:r>
+            <a:r>
+              <a:rPr lang="en-US" dirty="0"/>
+              <a:t> and </a:t>
+            </a:r>
+            <a:r>
+              <a:rPr lang="en-US" dirty="0" err="1"/>
+              <a:t>ClientSideComponentProperties</a:t>
+            </a:r>
+            <a:r>
+              <a:rPr lang="en-US" dirty="0"/>
+              <a:t> properties in Field object</a:t>
             </a:r>
           </a:p>
         </p:txBody>
@@ -16819,7 +16886,7 @@
     </p:spTree>
     <p:extLst>
       <p:ext uri="{BB962C8B-B14F-4D97-AF65-F5344CB8AC3E}">
-        <p14:creationId xmlns:p14="http://schemas.microsoft.com/office/powerpoint/2010/main" val="681715493"/>
+        <p14:creationId xmlns:p14="http://schemas.microsoft.com/office/powerpoint/2010/main" val="4230620971"/>
       </p:ext>
     </p:extLst>
   </p:cSld>
@@ -16882,7 +16949,7 @@
     </p:spTree>
     <p:extLst>
       <p:ext uri="{BB962C8B-B14F-4D97-AF65-F5344CB8AC3E}">
-        <p14:creationId xmlns:p14="http://schemas.microsoft.com/office/powerpoint/2010/main" val="1100556697"/>
+        <p14:creationId xmlns:p14="http://schemas.microsoft.com/office/powerpoint/2010/main" val="1965463314"/>
       </p:ext>
     </p:extLst>
   </p:cSld>

--- a/02 fieldcustomizer.pptx
+++ b/02 fieldcustomizer.pptx
@@ -272,7 +272,7 @@
               <a:rPr lang="en-US" smtClean="0">
                 <a:latin typeface="Segoe UI" pitchFamily="34" charset="0"/>
               </a:rPr>
-              <a:t>12/20/2018 4:10 PM</a:t>
+              <a:t>1/7/19 3:24 PM</a:t>
             </a:fld>
             <a:endParaRPr lang="en-US" dirty="0">
               <a:latin typeface="Segoe UI" pitchFamily="34" charset="0"/>
@@ -569,7 +569,7 @@
           <a:p>
             <a:fld id="{D18B56EA-E28F-4F92-9F16-7A6F2501B303}" type="datetime8">
               <a:rPr lang="en-US" smtClean="0"/>
-              <a:t>12/20/2018 4:10 PM</a:t>
+              <a:t>1/7/19 3:24 PM</a:t>
             </a:fld>
             <a:endParaRPr lang="en-US" dirty="0"/>
           </a:p>
@@ -952,7 +952,7 @@
           <a:p>
             <a:fld id="{D18B56EA-E28F-4F92-9F16-7A6F2501B303}" type="datetime8">
               <a:rPr lang="en-US" smtClean="0"/>
-              <a:t>12/20/2018 4:10 PM</a:t>
+              <a:t>1/7/19 3:24 PM</a:t>
             </a:fld>
             <a:endParaRPr lang="en-US" dirty="0"/>
           </a:p>
@@ -1133,7 +1133,7 @@
           <a:p>
             <a:fld id="{D18B56EA-E28F-4F92-9F16-7A6F2501B303}" type="datetime8">
               <a:rPr lang="en-US" smtClean="0"/>
-              <a:t>12/20/2018 4:10 PM</a:t>
+              <a:t>1/7/19 3:24 PM</a:t>
             </a:fld>
             <a:endParaRPr lang="en-US" dirty="0"/>
           </a:p>
@@ -1314,7 +1314,7 @@
           <a:p>
             <a:fld id="{D18B56EA-E28F-4F92-9F16-7A6F2501B303}" type="datetime8">
               <a:rPr lang="en-US" smtClean="0"/>
-              <a:t>12/20/2018 4:10 PM</a:t>
+              <a:t>1/7/19 3:24 PM</a:t>
             </a:fld>
             <a:endParaRPr lang="en-US" dirty="0"/>
           </a:p>
@@ -1495,7 +1495,7 @@
           <a:p>
             <a:fld id="{D18B56EA-E28F-4F92-9F16-7A6F2501B303}" type="datetime8">
               <a:rPr lang="en-US" smtClean="0"/>
-              <a:t>12/20/2018 4:10 PM</a:t>
+              <a:t>1/7/19 3:24 PM</a:t>
             </a:fld>
             <a:endParaRPr lang="en-US" dirty="0"/>
           </a:p>
@@ -1676,7 +1676,7 @@
           <a:p>
             <a:fld id="{D18B56EA-E28F-4F92-9F16-7A6F2501B303}" type="datetime8">
               <a:rPr lang="en-US" smtClean="0"/>
-              <a:t>12/20/2018 4:10 PM</a:t>
+              <a:t>1/7/19 3:24 PM</a:t>
             </a:fld>
             <a:endParaRPr lang="en-US" dirty="0"/>
           </a:p>
@@ -1857,7 +1857,7 @@
           <a:p>
             <a:fld id="{D18B56EA-E28F-4F92-9F16-7A6F2501B303}" type="datetime8">
               <a:rPr lang="en-US" smtClean="0"/>
-              <a:t>12/20/2018 4:10 PM</a:t>
+              <a:t>1/7/19 3:24 PM</a:t>
             </a:fld>
             <a:endParaRPr lang="en-US" dirty="0"/>
           </a:p>
@@ -16067,6 +16067,10 @@
           </a:p>
           <a:p>
             <a:r>
+              <a:rPr lang="en-US" sz="1400" dirty="0"/>
+              <a:t>  </a:t>
+            </a:r>
+            <a:r>
               <a:rPr lang="en-US" sz="1400" dirty="0" err="1"/>
               <a:t>yellowMinLimit</a:t>
             </a:r>
@@ -16327,7 +16331,7 @@
         <p:spPr>
           <a:xfrm>
             <a:off x="528849" y="1476622"/>
-            <a:ext cx="11378776" cy="4601260"/>
+            <a:ext cx="11378776" cy="4247317"/>
           </a:xfrm>
         </p:spPr>
         <p:txBody>
@@ -16393,57 +16397,106 @@
           </a:p>
           <a:p>
             <a:r>
+              <a:rPr lang="en-US" sz="2000" dirty="0">
+                <a:solidFill>
+                  <a:schemeClr val="accent1"/>
+                </a:solidFill>
+              </a:rPr>
+              <a:t>  </a:t>
+            </a:r>
+            <a:r>
+              <a:rPr lang="en-US" sz="2000" dirty="0" err="1">
+                <a:solidFill>
+                  <a:schemeClr val="accent1"/>
+                </a:solidFill>
+              </a:rPr>
+              <a:t>ClientSideComponentId</a:t>
+            </a:r>
+            <a:r>
+              <a:rPr lang="en-US" sz="2000" dirty="0">
+                <a:solidFill>
+                  <a:schemeClr val="accent1"/>
+                </a:solidFill>
+              </a:rPr>
+              <a:t>="fcedd96a-1c34-4ac8-9ad8-5aaf4cb1e993"</a:t>
+            </a:r>
+          </a:p>
+          <a:p>
+            <a:r>
+              <a:rPr lang="en-US" sz="2000" dirty="0">
+                <a:solidFill>
+                  <a:schemeClr val="accent1"/>
+                </a:solidFill>
+              </a:rPr>
+              <a:t>  </a:t>
+            </a:r>
+            <a:r>
+              <a:rPr lang="en-US" sz="2000" dirty="0" err="1">
+                <a:solidFill>
+                  <a:schemeClr val="accent1"/>
+                </a:solidFill>
+              </a:rPr>
+              <a:t>ClientSideComponentProperties</a:t>
+            </a:r>
+            <a:r>
+              <a:rPr lang="en-US" sz="2000" dirty="0">
+                <a:solidFill>
+                  <a:schemeClr val="accent1"/>
+                </a:solidFill>
+              </a:rPr>
+              <a:t>=</a:t>
+            </a:r>
+            <a:br>
+              <a:rPr lang="en-US" sz="2000" dirty="0">
+                <a:solidFill>
+                  <a:schemeClr val="accent1"/>
+                </a:solidFill>
+              </a:rPr>
+            </a:br>
+            <a:r>
+              <a:rPr lang="en-US" sz="2000" dirty="0">
+                <a:solidFill>
+                  <a:schemeClr val="accent1"/>
+                </a:solidFill>
+              </a:rPr>
+              <a:t>"{&amp;</a:t>
+            </a:r>
+            <a:r>
+              <a:rPr lang="en-US" sz="2000" dirty="0" err="1">
+                <a:solidFill>
+                  <a:schemeClr val="accent1"/>
+                </a:solidFill>
+              </a:rPr>
+              <a:t>quot;greenMinLimit&amp;quot</a:t>
+            </a:r>
+            <a:r>
+              <a:rPr lang="en-US" sz="2000" dirty="0">
+                <a:solidFill>
+                  <a:schemeClr val="accent1"/>
+                </a:solidFill>
+              </a:rPr>
+              <a:t>;:&amp;quot;85&amp;quot;,&amp;</a:t>
+            </a:r>
+            <a:r>
+              <a:rPr lang="en-US" sz="2000" dirty="0" err="1">
+                <a:solidFill>
+                  <a:schemeClr val="accent1"/>
+                </a:solidFill>
+              </a:rPr>
+              <a:t>quot;yellowMinLimit&amp;quot</a:t>
+            </a:r>
+            <a:r>
+              <a:rPr lang="en-US" sz="2000" dirty="0">
+                <a:solidFill>
+                  <a:schemeClr val="accent1"/>
+                </a:solidFill>
+              </a:rPr>
+              <a:t>;:&amp;quot;70&amp;quot;}"</a:t>
+            </a:r>
+            <a:r>
               <a:rPr lang="en-US" sz="2000" dirty="0"/>
-              <a:t>  </a:t>
-            </a:r>
-            <a:r>
-              <a:rPr lang="en-US" sz="2000" dirty="0" err="1"/>
-              <a:t>ClientSideComponentId</a:t>
-            </a:r>
-            <a:r>
-              <a:rPr lang="en-US" sz="2000" dirty="0"/>
-              <a:t>="fcedd96a-1c34-4ac8-9ad8-5aaf4cb1e993"</a:t>
-            </a:r>
-          </a:p>
-          <a:p>
-            <a:r>
-              <a:rPr lang="en-US" sz="2000" dirty="0"/>
-              <a:t>  </a:t>
-            </a:r>
-            <a:r>
-              <a:rPr lang="en-US" sz="2000" dirty="0" err="1"/>
-              <a:t>ClientSideComponentProperties</a:t>
-            </a:r>
-            <a:r>
-              <a:rPr lang="en-US" sz="2000" dirty="0"/>
-              <a:t>=</a:t>
-            </a:r>
-            <a:br>
-              <a:rPr lang="en-US" sz="2000" dirty="0"/>
-            </a:br>
-            <a:r>
-              <a:rPr lang="en-US" sz="2000" dirty="0"/>
-              <a:t>"{&amp;</a:t>
-            </a:r>
-            <a:r>
-              <a:rPr lang="en-US" sz="2000" dirty="0" err="1"/>
-              <a:t>quot;greenMinLimit&amp;quot</a:t>
-            </a:r>
-            <a:r>
-              <a:rPr lang="en-US" sz="2000" dirty="0"/>
-              <a:t>;:&amp;quot;85&amp;quot;,&amp;</a:t>
-            </a:r>
-            <a:r>
-              <a:rPr lang="en-US" sz="2000" dirty="0" err="1"/>
-              <a:t>quot;yellowMinLimit&amp;quot</a:t>
-            </a:r>
-            <a:r>
-              <a:rPr lang="en-US" sz="2000" dirty="0"/>
-              <a:t>;:&amp;quot;70&amp;quot;}"&gt;</a:t>
-            </a:r>
-          </a:p>
-          <a:p>
-            <a:endParaRPr lang="en-US" sz="2000" dirty="0"/>
+              <a:t>&gt;</a:t>
+            </a:r>
           </a:p>
           <a:p>
             <a:r>
@@ -16633,7 +16686,7 @@
         <p:spPr>
           <a:xfrm>
             <a:off x="274638" y="1212850"/>
-            <a:ext cx="11887200" cy="3348609"/>
+            <a:ext cx="11887200" cy="2271391"/>
           </a:xfrm>
         </p:spPr>
         <p:txBody>
@@ -16649,7 +16702,7 @@
             <a:pPr lvl="1"/>
             <a:r>
               <a:rPr lang="en-US" dirty="0"/>
-              <a:t>load </a:t>
+              <a:t>Load </a:t>
             </a:r>
             <a:r>
               <a:rPr lang="en-US" dirty="0" err="1"/>
@@ -16837,7 +16890,10 @@
               <a:t>Set </a:t>
             </a:r>
             <a:r>
-              <a:rPr lang="en-US" dirty="0" err="1"/>
+              <a:rPr lang="en-US" dirty="0" err="1">
+                <a:latin typeface="Courier New" panose="02070309020205020404" pitchFamily="49" charset="0"/>
+                <a:cs typeface="Courier New" panose="02070309020205020404" pitchFamily="49" charset="0"/>
+              </a:rPr>
               <a:t>ClientSideComponentId</a:t>
             </a:r>
             <a:r>
@@ -16845,12 +16901,26 @@
               <a:t> and </a:t>
             </a:r>
             <a:r>
-              <a:rPr lang="en-US" dirty="0" err="1"/>
+              <a:rPr lang="en-US" dirty="0" err="1">
+                <a:latin typeface="Courier New" panose="02070309020205020404" pitchFamily="49" charset="0"/>
+                <a:cs typeface="Courier New" panose="02070309020205020404" pitchFamily="49" charset="0"/>
+              </a:rPr>
               <a:t>ClientSideComponentProperties</a:t>
             </a:r>
             <a:r>
               <a:rPr lang="en-US" dirty="0"/>
-              <a:t> properties in Field object</a:t>
+              <a:t> properties in </a:t>
+            </a:r>
+            <a:r>
+              <a:rPr lang="en-US" dirty="0">
+                <a:latin typeface="Courier New" panose="02070309020205020404" pitchFamily="49" charset="0"/>
+                <a:cs typeface="Courier New" panose="02070309020205020404" pitchFamily="49" charset="0"/>
+              </a:rPr>
+              <a:t>Field</a:t>
+            </a:r>
+            <a:r>
+              <a:rPr lang="en-US" dirty="0"/>
+              <a:t> object</a:t>
             </a:r>
           </a:p>
         </p:txBody>

--- a/02 fieldcustomizer.pptx
+++ b/02 fieldcustomizer.pptx
@@ -272,7 +272,7 @@
               <a:rPr lang="en-US" smtClean="0">
                 <a:latin typeface="Segoe UI" pitchFamily="34" charset="0"/>
               </a:rPr>
-              <a:t>1/7/19 3:24 PM</a:t>
+              <a:t>3/3/2019 9:41 AM</a:t>
             </a:fld>
             <a:endParaRPr lang="en-US" dirty="0">
               <a:latin typeface="Segoe UI" pitchFamily="34" charset="0"/>
@@ -569,7 +569,7 @@
           <a:p>
             <a:fld id="{D18B56EA-E28F-4F92-9F16-7A6F2501B303}" type="datetime8">
               <a:rPr lang="en-US" smtClean="0"/>
-              <a:t>1/7/19 3:24 PM</a:t>
+              <a:t>3/3/2019 9:41 AM</a:t>
             </a:fld>
             <a:endParaRPr lang="en-US" dirty="0"/>
           </a:p>
@@ -952,7 +952,7 @@
           <a:p>
             <a:fld id="{D18B56EA-E28F-4F92-9F16-7A6F2501B303}" type="datetime8">
               <a:rPr lang="en-US" smtClean="0"/>
-              <a:t>1/7/19 3:24 PM</a:t>
+              <a:t>3/3/2019 9:41 AM</a:t>
             </a:fld>
             <a:endParaRPr lang="en-US" dirty="0"/>
           </a:p>
@@ -1133,7 +1133,7 @@
           <a:p>
             <a:fld id="{D18B56EA-E28F-4F92-9F16-7A6F2501B303}" type="datetime8">
               <a:rPr lang="en-US" smtClean="0"/>
-              <a:t>1/7/19 3:24 PM</a:t>
+              <a:t>3/3/2019 9:41 AM</a:t>
             </a:fld>
             <a:endParaRPr lang="en-US" dirty="0"/>
           </a:p>
@@ -1314,7 +1314,7 @@
           <a:p>
             <a:fld id="{D18B56EA-E28F-4F92-9F16-7A6F2501B303}" type="datetime8">
               <a:rPr lang="en-US" smtClean="0"/>
-              <a:t>1/7/19 3:24 PM</a:t>
+              <a:t>3/3/2019 9:41 AM</a:t>
             </a:fld>
             <a:endParaRPr lang="en-US" dirty="0"/>
           </a:p>
@@ -1495,7 +1495,7 @@
           <a:p>
             <a:fld id="{D18B56EA-E28F-4F92-9F16-7A6F2501B303}" type="datetime8">
               <a:rPr lang="en-US" smtClean="0"/>
-              <a:t>1/7/19 3:24 PM</a:t>
+              <a:t>3/3/2019 9:41 AM</a:t>
             </a:fld>
             <a:endParaRPr lang="en-US" dirty="0"/>
           </a:p>
@@ -1676,7 +1676,7 @@
           <a:p>
             <a:fld id="{D18B56EA-E28F-4F92-9F16-7A6F2501B303}" type="datetime8">
               <a:rPr lang="en-US" smtClean="0"/>
-              <a:t>1/7/19 3:24 PM</a:t>
+              <a:t>3/3/2019 9:41 AM</a:t>
             </a:fld>
             <a:endParaRPr lang="en-US" dirty="0"/>
           </a:p>
@@ -1857,7 +1857,7 @@
           <a:p>
             <a:fld id="{D18B56EA-E28F-4F92-9F16-7A6F2501B303}" type="datetime8">
               <a:rPr lang="en-US" smtClean="0"/>
-              <a:t>1/7/19 3:24 PM</a:t>
+              <a:t>3/3/2019 9:41 AM</a:t>
             </a:fld>
             <a:endParaRPr lang="en-US" dirty="0"/>
           </a:p>
@@ -15303,7 +15303,7 @@
               <a:rPr lang="en-US" sz="1800" dirty="0">
                 <a:latin typeface="+mj-lt"/>
               </a:rPr>
-              <a:t>SharePoint Framework</a:t>
+              <a:t>Overview of the SharePoint Framework</a:t>
             </a:r>
           </a:p>
           <a:p>
@@ -15322,7 +15322,7 @@
                 <a:latin typeface="+mj-lt"/>
                 <a:hlinkClick r:id="rId3"/>
               </a:rPr>
-              <a:t>https://docs.microsoft.com/sharepoint/dev/spfx</a:t>
+              <a:t>https://docs.microsoft.com/sharepoint/dev/spfx/sharepoint-framework-overview</a:t>
             </a:r>
             <a:endParaRPr lang="en-US" sz="1800" dirty="0">
               <a:latin typeface="+mj-lt"/>

--- a/02 fieldcustomizer.pptx
+++ b/02 fieldcustomizer.pptx
@@ -5,10 +5,10 @@
     <p:sldMasterId id="2147484229" r:id="rId2"/>
   </p:sldMasterIdLst>
   <p:notesMasterIdLst>
-    <p:notesMasterId r:id="rId16"/>
+    <p:notesMasterId r:id="rId15"/>
   </p:notesMasterIdLst>
   <p:handoutMasterIdLst>
-    <p:handoutMasterId r:id="rId17"/>
+    <p:handoutMasterId r:id="rId16"/>
   </p:handoutMasterIdLst>
   <p:sldIdLst>
     <p:sldId id="1582" r:id="rId3"/>
@@ -18,12 +18,11 @@
     <p:sldId id="1585" r:id="rId7"/>
     <p:sldId id="1586" r:id="rId8"/>
     <p:sldId id="1587" r:id="rId9"/>
-    <p:sldId id="1588" r:id="rId10"/>
-    <p:sldId id="1589" r:id="rId11"/>
-    <p:sldId id="1590" r:id="rId12"/>
-    <p:sldId id="1591" r:id="rId13"/>
-    <p:sldId id="1592" r:id="rId14"/>
-    <p:sldId id="1593" r:id="rId15"/>
+    <p:sldId id="1589" r:id="rId10"/>
+    <p:sldId id="1590" r:id="rId11"/>
+    <p:sldId id="1591" r:id="rId12"/>
+    <p:sldId id="1592" r:id="rId13"/>
+    <p:sldId id="1593" r:id="rId14"/>
   </p:sldIdLst>
   <p:sldSz cx="12436475" cy="6994525"/>
   <p:notesSz cx="6858000" cy="9144000"/>
@@ -142,7 +141,6 @@
           <p14:sldIdLst>
             <p14:sldId id="1586"/>
             <p14:sldId id="1587"/>
-            <p14:sldId id="1588"/>
             <p14:sldId id="1589"/>
           </p14:sldIdLst>
         </p14:section>
@@ -272,7 +270,7 @@
               <a:rPr lang="en-US" smtClean="0">
                 <a:latin typeface="Segoe UI" pitchFamily="34" charset="0"/>
               </a:rPr>
-              <a:t>3/3/2019 9:41 AM</a:t>
+              <a:t>3/2/20 6:00 AM</a:t>
             </a:fld>
             <a:endParaRPr lang="en-US" dirty="0">
               <a:latin typeface="Segoe UI" pitchFamily="34" charset="0"/>
@@ -569,7 +567,7 @@
           <a:p>
             <a:fld id="{D18B56EA-E28F-4F92-9F16-7A6F2501B303}" type="datetime8">
               <a:rPr lang="en-US" smtClean="0"/>
-              <a:t>3/3/2019 9:41 AM</a:t>
+              <a:t>3/2/20 6:00 AM</a:t>
             </a:fld>
             <a:endParaRPr lang="en-US" dirty="0"/>
           </a:p>
@@ -952,7 +950,7 @@
           <a:p>
             <a:fld id="{D18B56EA-E28F-4F92-9F16-7A6F2501B303}" type="datetime8">
               <a:rPr lang="en-US" smtClean="0"/>
-              <a:t>3/3/2019 9:41 AM</a:t>
+              <a:t>3/2/20 6:00 AM</a:t>
             </a:fld>
             <a:endParaRPr lang="en-US" dirty="0"/>
           </a:p>
@@ -986,6 +984,368 @@
     <p:extLst>
       <p:ext uri="{BB962C8B-B14F-4D97-AF65-F5344CB8AC3E}">
         <p14:creationId xmlns:p14="http://schemas.microsoft.com/office/powerpoint/2010/main" val="909857904"/>
+      </p:ext>
+    </p:extLst>
+  </p:cSld>
+  <p:clrMapOvr>
+    <a:masterClrMapping/>
+  </p:clrMapOvr>
+</p:notes>
+</file>
+
+<file path=ppt/notesSlides/notesSlide10.xml><?xml version="1.0" encoding="utf-8"?>
+<p:notes xmlns:a="http://schemas.openxmlformats.org/drawingml/2006/main" xmlns:r="http://schemas.openxmlformats.org/officeDocument/2006/relationships" xmlns:p="http://schemas.openxmlformats.org/presentationml/2006/main">
+  <p:cSld>
+    <p:spTree>
+      <p:nvGrpSpPr>
+        <p:cNvPr id="1" name=""/>
+        <p:cNvGrpSpPr/>
+        <p:nvPr/>
+      </p:nvGrpSpPr>
+      <p:grpSpPr>
+        <a:xfrm>
+          <a:off x="0" y="0"/>
+          <a:ext cx="0" cy="0"/>
+          <a:chOff x="0" y="0"/>
+          <a:chExt cx="0" cy="0"/>
+        </a:xfrm>
+      </p:grpSpPr>
+      <p:sp>
+        <p:nvSpPr>
+          <p:cNvPr id="2" name="Slide Image Placeholder 1"/>
+          <p:cNvSpPr>
+            <a:spLocks noGrp="1" noRot="1" noChangeAspect="1"/>
+          </p:cNvSpPr>
+          <p:nvPr>
+            <p:ph type="sldImg"/>
+          </p:nvPr>
+        </p:nvSpPr>
+        <p:spPr/>
+      </p:sp>
+      <p:sp>
+        <p:nvSpPr>
+          <p:cNvPr id="3" name="Notes Placeholder 2"/>
+          <p:cNvSpPr>
+            <a:spLocks noGrp="1"/>
+          </p:cNvSpPr>
+          <p:nvPr>
+            <p:ph type="body" idx="1"/>
+          </p:nvPr>
+        </p:nvSpPr>
+        <p:spPr/>
+        <p:txBody>
+          <a:bodyPr/>
+          <a:lstStyle/>
+          <a:p>
+            <a:endParaRPr lang="en-US"/>
+          </a:p>
+        </p:txBody>
+      </p:sp>
+      <p:sp>
+        <p:nvSpPr>
+          <p:cNvPr id="4" name="Header Placeholder 3"/>
+          <p:cNvSpPr>
+            <a:spLocks noGrp="1"/>
+          </p:cNvSpPr>
+          <p:nvPr>
+            <p:ph type="hdr" sz="quarter" idx="10"/>
+          </p:nvPr>
+        </p:nvSpPr>
+        <p:spPr/>
+        <p:txBody>
+          <a:bodyPr/>
+          <a:lstStyle/>
+          <a:p>
+            <a:endParaRPr lang="en-US" dirty="0"/>
+          </a:p>
+        </p:txBody>
+      </p:sp>
+      <p:sp>
+        <p:nvSpPr>
+          <p:cNvPr id="5" name="Footer Placeholder 4"/>
+          <p:cNvSpPr>
+            <a:spLocks noGrp="1"/>
+          </p:cNvSpPr>
+          <p:nvPr>
+            <p:ph type="ftr" sz="quarter" idx="11"/>
+          </p:nvPr>
+        </p:nvSpPr>
+        <p:spPr/>
+        <p:txBody>
+          <a:bodyPr/>
+          <a:lstStyle/>
+          <a:p>
+            <a:pPr defTabSz="914099" eaLnBrk="0" hangingPunct="0"/>
+            <a:r>
+              <a:rPr lang="en-US" sz="400">
+                <a:gradFill>
+                  <a:gsLst>
+                    <a:gs pos="0">
+                      <a:prstClr val="black"/>
+                    </a:gs>
+                    <a:gs pos="100000">
+                      <a:prstClr val="black"/>
+                    </a:gs>
+                  </a:gsLst>
+                  <a:lin ang="5400000" scaled="0"/>
+                </a:gradFill>
+                <a:latin typeface="Segoe UI" pitchFamily="34" charset="0"/>
+                <a:ea typeface="Segoe UI" pitchFamily="34" charset="0"/>
+                <a:cs typeface="Segoe UI" pitchFamily="34" charset="0"/>
+              </a:rPr>
+              <a:t>© Microsoft Corporation. All rights reserved. MICROSOFT MAKES NO WARRANTIES, EXPRESS, IMPLIED OR STATUTORY, AS TO THE INFORMATION IN THIS PRESENTATION.</a:t>
+            </a:r>
+            <a:endParaRPr lang="en-US" sz="400" dirty="0">
+              <a:gradFill>
+                <a:gsLst>
+                  <a:gs pos="0">
+                    <a:prstClr val="black"/>
+                  </a:gs>
+                  <a:gs pos="100000">
+                    <a:prstClr val="black"/>
+                  </a:gs>
+                </a:gsLst>
+                <a:lin ang="5400000" scaled="0"/>
+              </a:gradFill>
+              <a:latin typeface="Segoe UI" pitchFamily="34" charset="0"/>
+              <a:ea typeface="Segoe UI" pitchFamily="34" charset="0"/>
+              <a:cs typeface="Segoe UI" pitchFamily="34" charset="0"/>
+            </a:endParaRPr>
+          </a:p>
+        </p:txBody>
+      </p:sp>
+      <p:sp>
+        <p:nvSpPr>
+          <p:cNvPr id="6" name="Date Placeholder 5"/>
+          <p:cNvSpPr>
+            <a:spLocks noGrp="1"/>
+          </p:cNvSpPr>
+          <p:nvPr>
+            <p:ph type="dt" idx="12"/>
+          </p:nvPr>
+        </p:nvSpPr>
+        <p:spPr/>
+        <p:txBody>
+          <a:bodyPr/>
+          <a:lstStyle/>
+          <a:p>
+            <a:fld id="{D18B56EA-E28F-4F92-9F16-7A6F2501B303}" type="datetime8">
+              <a:rPr lang="en-US" smtClean="0"/>
+              <a:t>3/2/20 6:00 AM</a:t>
+            </a:fld>
+            <a:endParaRPr lang="en-US" dirty="0"/>
+          </a:p>
+        </p:txBody>
+      </p:sp>
+      <p:sp>
+        <p:nvSpPr>
+          <p:cNvPr id="7" name="Slide Number Placeholder 6"/>
+          <p:cNvSpPr>
+            <a:spLocks noGrp="1"/>
+          </p:cNvSpPr>
+          <p:nvPr>
+            <p:ph type="sldNum" sz="quarter" idx="13"/>
+          </p:nvPr>
+        </p:nvSpPr>
+        <p:spPr/>
+        <p:txBody>
+          <a:bodyPr/>
+          <a:lstStyle/>
+          <a:p>
+            <a:fld id="{B4008EB6-D09E-4580-8CD6-DDB14511944F}" type="slidenum">
+              <a:rPr lang="en-US" smtClean="0"/>
+              <a:pPr/>
+              <a:t>11</a:t>
+            </a:fld>
+            <a:endParaRPr lang="en-US" dirty="0"/>
+          </a:p>
+        </p:txBody>
+      </p:sp>
+    </p:spTree>
+    <p:extLst>
+      <p:ext uri="{BB962C8B-B14F-4D97-AF65-F5344CB8AC3E}">
+        <p14:creationId xmlns:p14="http://schemas.microsoft.com/office/powerpoint/2010/main" val="2510823477"/>
+      </p:ext>
+    </p:extLst>
+  </p:cSld>
+  <p:clrMapOvr>
+    <a:masterClrMapping/>
+  </p:clrMapOvr>
+</p:notes>
+</file>
+
+<file path=ppt/notesSlides/notesSlide11.xml><?xml version="1.0" encoding="utf-8"?>
+<p:notes xmlns:a="http://schemas.openxmlformats.org/drawingml/2006/main" xmlns:r="http://schemas.openxmlformats.org/officeDocument/2006/relationships" xmlns:p="http://schemas.openxmlformats.org/presentationml/2006/main">
+  <p:cSld>
+    <p:spTree>
+      <p:nvGrpSpPr>
+        <p:cNvPr id="1" name=""/>
+        <p:cNvGrpSpPr/>
+        <p:nvPr/>
+      </p:nvGrpSpPr>
+      <p:grpSpPr>
+        <a:xfrm>
+          <a:off x="0" y="0"/>
+          <a:ext cx="0" cy="0"/>
+          <a:chOff x="0" y="0"/>
+          <a:chExt cx="0" cy="0"/>
+        </a:xfrm>
+      </p:grpSpPr>
+      <p:sp>
+        <p:nvSpPr>
+          <p:cNvPr id="2" name="Slide Image Placeholder 1"/>
+          <p:cNvSpPr>
+            <a:spLocks noGrp="1" noRot="1" noChangeAspect="1"/>
+          </p:cNvSpPr>
+          <p:nvPr>
+            <p:ph type="sldImg"/>
+          </p:nvPr>
+        </p:nvSpPr>
+        <p:spPr/>
+      </p:sp>
+      <p:sp>
+        <p:nvSpPr>
+          <p:cNvPr id="3" name="Notes Placeholder 2"/>
+          <p:cNvSpPr>
+            <a:spLocks noGrp="1"/>
+          </p:cNvSpPr>
+          <p:nvPr>
+            <p:ph type="body" idx="1"/>
+          </p:nvPr>
+        </p:nvSpPr>
+        <p:spPr/>
+        <p:txBody>
+          <a:bodyPr/>
+          <a:lstStyle/>
+          <a:p>
+            <a:endParaRPr lang="en-US"/>
+          </a:p>
+        </p:txBody>
+      </p:sp>
+      <p:sp>
+        <p:nvSpPr>
+          <p:cNvPr id="4" name="Header Placeholder 3"/>
+          <p:cNvSpPr>
+            <a:spLocks noGrp="1"/>
+          </p:cNvSpPr>
+          <p:nvPr>
+            <p:ph type="hdr" sz="quarter" idx="10"/>
+          </p:nvPr>
+        </p:nvSpPr>
+        <p:spPr/>
+        <p:txBody>
+          <a:bodyPr/>
+          <a:lstStyle/>
+          <a:p>
+            <a:endParaRPr lang="en-US" dirty="0"/>
+          </a:p>
+        </p:txBody>
+      </p:sp>
+      <p:sp>
+        <p:nvSpPr>
+          <p:cNvPr id="5" name="Footer Placeholder 4"/>
+          <p:cNvSpPr>
+            <a:spLocks noGrp="1"/>
+          </p:cNvSpPr>
+          <p:nvPr>
+            <p:ph type="ftr" sz="quarter" idx="11"/>
+          </p:nvPr>
+        </p:nvSpPr>
+        <p:spPr/>
+        <p:txBody>
+          <a:bodyPr/>
+          <a:lstStyle/>
+          <a:p>
+            <a:pPr defTabSz="914099" eaLnBrk="0" hangingPunct="0"/>
+            <a:r>
+              <a:rPr lang="en-US" sz="400">
+                <a:gradFill>
+                  <a:gsLst>
+                    <a:gs pos="0">
+                      <a:prstClr val="black"/>
+                    </a:gs>
+                    <a:gs pos="100000">
+                      <a:prstClr val="black"/>
+                    </a:gs>
+                  </a:gsLst>
+                  <a:lin ang="5400000" scaled="0"/>
+                </a:gradFill>
+                <a:latin typeface="Segoe UI" pitchFamily="34" charset="0"/>
+                <a:ea typeface="Segoe UI" pitchFamily="34" charset="0"/>
+                <a:cs typeface="Segoe UI" pitchFamily="34" charset="0"/>
+              </a:rPr>
+              <a:t>© Microsoft Corporation. All rights reserved. MICROSOFT MAKES NO WARRANTIES, EXPRESS, IMPLIED OR STATUTORY, AS TO THE INFORMATION IN THIS PRESENTATION.</a:t>
+            </a:r>
+            <a:endParaRPr lang="en-US" sz="400" dirty="0">
+              <a:gradFill>
+                <a:gsLst>
+                  <a:gs pos="0">
+                    <a:prstClr val="black"/>
+                  </a:gs>
+                  <a:gs pos="100000">
+                    <a:prstClr val="black"/>
+                  </a:gs>
+                </a:gsLst>
+                <a:lin ang="5400000" scaled="0"/>
+              </a:gradFill>
+              <a:latin typeface="Segoe UI" pitchFamily="34" charset="0"/>
+              <a:ea typeface="Segoe UI" pitchFamily="34" charset="0"/>
+              <a:cs typeface="Segoe UI" pitchFamily="34" charset="0"/>
+            </a:endParaRPr>
+          </a:p>
+        </p:txBody>
+      </p:sp>
+      <p:sp>
+        <p:nvSpPr>
+          <p:cNvPr id="6" name="Date Placeholder 5"/>
+          <p:cNvSpPr>
+            <a:spLocks noGrp="1"/>
+          </p:cNvSpPr>
+          <p:nvPr>
+            <p:ph type="dt" idx="12"/>
+          </p:nvPr>
+        </p:nvSpPr>
+        <p:spPr/>
+        <p:txBody>
+          <a:bodyPr/>
+          <a:lstStyle/>
+          <a:p>
+            <a:fld id="{D18B56EA-E28F-4F92-9F16-7A6F2501B303}" type="datetime8">
+              <a:rPr lang="en-US" smtClean="0"/>
+              <a:t>3/2/20 6:00 AM</a:t>
+            </a:fld>
+            <a:endParaRPr lang="en-US" dirty="0"/>
+          </a:p>
+        </p:txBody>
+      </p:sp>
+      <p:sp>
+        <p:nvSpPr>
+          <p:cNvPr id="7" name="Slide Number Placeholder 6"/>
+          <p:cNvSpPr>
+            <a:spLocks noGrp="1"/>
+          </p:cNvSpPr>
+          <p:nvPr>
+            <p:ph type="sldNum" sz="quarter" idx="13"/>
+          </p:nvPr>
+        </p:nvSpPr>
+        <p:spPr/>
+        <p:txBody>
+          <a:bodyPr/>
+          <a:lstStyle/>
+          <a:p>
+            <a:fld id="{B4008EB6-D09E-4580-8CD6-DDB14511944F}" type="slidenum">
+              <a:rPr lang="en-US" smtClean="0"/>
+              <a:pPr/>
+              <a:t>12</a:t>
+            </a:fld>
+            <a:endParaRPr lang="en-US" dirty="0"/>
+          </a:p>
+        </p:txBody>
+      </p:sp>
+    </p:spTree>
+    <p:extLst>
+      <p:ext uri="{BB962C8B-B14F-4D97-AF65-F5344CB8AC3E}">
+        <p14:creationId xmlns:p14="http://schemas.microsoft.com/office/powerpoint/2010/main" val="1685519606"/>
       </p:ext>
     </p:extLst>
   </p:cSld>
@@ -1039,7 +1399,18 @@
           <a:bodyPr/>
           <a:lstStyle/>
           <a:p>
-            <a:endParaRPr lang="en-US"/>
+            <a:r>
+              <a:rPr lang="en-US" sz="900" b="0" kern="1200" dirty="0">
+                <a:solidFill>
+                  <a:schemeClr val="tx1"/>
+                </a:solidFill>
+                <a:effectLst/>
+                <a:latin typeface="Segoe UI Light" pitchFamily="34" charset="0"/>
+                <a:ea typeface="+mn-ea"/>
+                <a:cs typeface="+mn-cs"/>
+              </a:rPr>
+              <a:t>In this unit, you'll learn about another type of SharePoint Framework extension that enable customization of columns in SharePoint lists: field customizers.</a:t>
+            </a:r>
           </a:p>
         </p:txBody>
       </p:sp>
@@ -1133,7 +1504,7 @@
           <a:p>
             <a:fld id="{D18B56EA-E28F-4F92-9F16-7A6F2501B303}" type="datetime8">
               <a:rPr lang="en-US" smtClean="0"/>
-              <a:t>3/3/2019 9:41 AM</a:t>
+              <a:t>3/2/20 6:17 AM</a:t>
             </a:fld>
             <a:endParaRPr lang="en-US" dirty="0"/>
           </a:p>
@@ -1220,7 +1591,56 @@
           <a:bodyPr/>
           <a:lstStyle/>
           <a:p>
-            <a:endParaRPr lang="en-US"/>
+            <a:r>
+              <a:rPr lang="en-US" dirty="0"/>
+              <a:t>A SharePoint Framework field customizer extension enables developers the ability to customize the rendering of a cell in the display mode of a SharePoint list. These extensions are similar to the SharePoint classic experience customizations of client side rendering (CSR) and </a:t>
+            </a:r>
+            <a:r>
+              <a:rPr lang="en-US" dirty="0" err="1"/>
+              <a:t>JSLink</a:t>
+            </a:r>
+            <a:r>
+              <a:rPr lang="en-US" dirty="0"/>
+              <a:t>. The classic mode customizations of CSR and </a:t>
+            </a:r>
+            <a:r>
+              <a:rPr lang="en-US" dirty="0" err="1"/>
+              <a:t>JSLink</a:t>
+            </a:r>
+            <a:r>
+              <a:rPr lang="en-US" dirty="0"/>
+              <a:t> don't work in the modern experience and field customizers will only work in the modern experience.</a:t>
+            </a:r>
+          </a:p>
+          <a:p>
+            <a:endParaRPr lang="en-US" dirty="0"/>
+          </a:p>
+          <a:p>
+            <a:r>
+              <a:rPr lang="en-US" dirty="0"/>
+              <a:t>A field customizer enables a developer to define through code how a specific column should be rendered when a user views a SharePoint list in the grid-view format in the modern experience. The following scenarios are some example use cases for field customizers:</a:t>
+            </a:r>
+          </a:p>
+          <a:p>
+            <a:endParaRPr lang="en-US" dirty="0"/>
+          </a:p>
+          <a:p>
+            <a:r>
+              <a:rPr lang="en-US" dirty="0"/>
+              <a:t>- display a picture or illustration in a field instead of text</a:t>
+            </a:r>
+          </a:p>
+          <a:p>
+            <a:r>
+              <a:rPr lang="en-US" dirty="0"/>
+              <a:t>- make renderings interactive</a:t>
+            </a:r>
+          </a:p>
+          <a:p>
+            <a:r>
+              <a:rPr lang="en-US" dirty="0"/>
+              <a:t>- add React component to a field rendering.</a:t>
+            </a:r>
           </a:p>
         </p:txBody>
       </p:sp>
@@ -1231,7 +1651,7 @@
             <a:spLocks noGrp="1"/>
           </p:cNvSpPr>
           <p:nvPr>
-            <p:ph type="hdr" sz="quarter" idx="10"/>
+            <p:ph type="hdr" sz="quarter"/>
           </p:nvPr>
         </p:nvSpPr>
         <p:spPr/>
@@ -1239,6 +1659,10 @@
           <a:bodyPr/>
           <a:lstStyle/>
           <a:p>
+            <a:r>
+              <a:rPr lang="en-US"/>
+              <a:t>SharePoint Framework</a:t>
+            </a:r>
             <a:endParaRPr lang="en-US" dirty="0"/>
           </a:p>
         </p:txBody>
@@ -1250,7 +1674,7 @@
             <a:spLocks noGrp="1"/>
           </p:cNvSpPr>
           <p:nvPr>
-            <p:ph type="ftr" sz="quarter" idx="11"/>
+            <p:ph type="ftr" sz="quarter" idx="4"/>
           </p:nvPr>
         </p:nvSpPr>
         <p:spPr/>
@@ -1304,7 +1728,7 @@
             <a:spLocks noGrp="1"/>
           </p:cNvSpPr>
           <p:nvPr>
-            <p:ph type="dt" idx="12"/>
+            <p:ph type="dt" idx="1"/>
           </p:nvPr>
         </p:nvSpPr>
         <p:spPr/>
@@ -1314,7 +1738,7 @@
           <a:p>
             <a:fld id="{D18B56EA-E28F-4F92-9F16-7A6F2501B303}" type="datetime8">
               <a:rPr lang="en-US" smtClean="0"/>
-              <a:t>3/3/2019 9:41 AM</a:t>
+              <a:t>3/2/20 6:27 AM</a:t>
             </a:fld>
             <a:endParaRPr lang="en-US" dirty="0"/>
           </a:p>
@@ -1327,7 +1751,7 @@
             <a:spLocks noGrp="1"/>
           </p:cNvSpPr>
           <p:nvPr>
-            <p:ph type="sldNum" sz="quarter" idx="13"/>
+            <p:ph type="sldNum" sz="quarter" idx="5"/>
           </p:nvPr>
         </p:nvSpPr>
         <p:spPr/>
@@ -1338,7 +1762,7 @@
             <a:fld id="{B4008EB6-D09E-4580-8CD6-DDB14511944F}" type="slidenum">
               <a:rPr lang="en-US" smtClean="0"/>
               <a:pPr/>
-              <a:t>9</a:t>
+              <a:t>3</a:t>
             </a:fld>
             <a:endParaRPr lang="en-US" dirty="0"/>
           </a:p>
@@ -1347,7 +1771,7 @@
     </p:spTree>
     <p:extLst>
       <p:ext uri="{BB962C8B-B14F-4D97-AF65-F5344CB8AC3E}">
-        <p14:creationId xmlns:p14="http://schemas.microsoft.com/office/powerpoint/2010/main" val="2593812498"/>
+        <p14:creationId xmlns:p14="http://schemas.microsoft.com/office/powerpoint/2010/main" val="1583397593"/>
       </p:ext>
     </p:extLst>
   </p:cSld>
@@ -1401,6 +1825,121 @@
           <a:bodyPr/>
           <a:lstStyle/>
           <a:p>
+            <a:r>
+              <a:rPr lang="en-US" dirty="0"/>
+              <a:t>The implementation of a field customizer is similar to the other SharePoint Framework extension options.</a:t>
+            </a:r>
+          </a:p>
+          <a:p>
+            <a:endParaRPr lang="en-US" dirty="0"/>
+          </a:p>
+          <a:p>
+            <a:r>
+              <a:rPr lang="en-US" dirty="0"/>
+              <a:t>An interface is used to define the public properties that can be set as inputs on the extension.</a:t>
+            </a:r>
+          </a:p>
+          <a:p>
+            <a:endParaRPr lang="en-US" dirty="0"/>
+          </a:p>
+          <a:p>
+            <a:r>
+              <a:rPr lang="en-US" dirty="0"/>
+              <a:t>The extension is implemented in a class that extends the `</a:t>
+            </a:r>
+            <a:r>
+              <a:rPr lang="en-US" dirty="0" err="1"/>
+              <a:t>BaseFieldCustomizer</a:t>
+            </a:r>
+            <a:r>
+              <a:rPr lang="en-US" dirty="0"/>
+              <a:t>` class. This class contains three methods you can override:</a:t>
+            </a:r>
+          </a:p>
+          <a:p>
+            <a:endParaRPr lang="en-US" dirty="0"/>
+          </a:p>
+          <a:p>
+            <a:r>
+              <a:rPr lang="en-US" dirty="0"/>
+              <a:t>The `</a:t>
+            </a:r>
+            <a:r>
+              <a:rPr lang="en-US" dirty="0" err="1"/>
+              <a:t>onInit</a:t>
+            </a:r>
+            <a:r>
+              <a:rPr lang="en-US" dirty="0"/>
+              <a:t>()` method returns a `Promise` object and can be used to perform any initialization code that need to be completed prior to rendering the field customizer. Once the returned promise resolves, the SharePoint Framework will call the `</a:t>
+            </a:r>
+            <a:r>
+              <a:rPr lang="en-US" dirty="0" err="1"/>
+              <a:t>onRenderCell</a:t>
+            </a:r>
+            <a:r>
+              <a:rPr lang="en-US" dirty="0"/>
+              <a:t>()` method.</a:t>
+            </a:r>
+          </a:p>
+          <a:p>
+            <a:endParaRPr lang="en-US" dirty="0"/>
+          </a:p>
+          <a:p>
+            <a:r>
+              <a:rPr lang="en-US" dirty="0"/>
+              <a:t>The `</a:t>
+            </a:r>
+            <a:r>
+              <a:rPr lang="en-US" dirty="0" err="1"/>
+              <a:t>onRenderCell</a:t>
+            </a:r>
+            <a:r>
+              <a:rPr lang="en-US" dirty="0"/>
+              <a:t>()` method receives a single parameter of type `</a:t>
+            </a:r>
+            <a:r>
+              <a:rPr lang="en-US" dirty="0" err="1"/>
+              <a:t>IFieldCustomizerCellEventParameters</a:t>
+            </a:r>
+            <a:r>
+              <a:rPr lang="en-US" dirty="0"/>
+              <a:t>` that developers can use to obtain the value of the field for the current list item and modify the contents of the cell associated with the field.</a:t>
+            </a:r>
+          </a:p>
+          <a:p>
+            <a:endParaRPr lang="en-US" dirty="0"/>
+          </a:p>
+          <a:p>
+            <a:r>
+              <a:rPr lang="en-US" dirty="0"/>
+              <a:t>The last method, `</a:t>
+            </a:r>
+            <a:r>
+              <a:rPr lang="en-US" dirty="0" err="1"/>
+              <a:t>onDisposeCell</a:t>
+            </a:r>
+            <a:r>
+              <a:rPr lang="en-US" dirty="0"/>
+              <a:t>()`, is called by the SharePoint Framework when the field is removed form the page. You should use this method to clean up any references or handlers you've setup in either the `</a:t>
+            </a:r>
+            <a:r>
+              <a:rPr lang="en-US" dirty="0" err="1"/>
+              <a:t>onInit</a:t>
+            </a:r>
+            <a:r>
+              <a:rPr lang="en-US" dirty="0"/>
+              <a:t>()` or `</a:t>
+            </a:r>
+            <a:r>
+              <a:rPr lang="en-US" dirty="0" err="1"/>
+              <a:t>onRenderCell</a:t>
+            </a:r>
+            <a:r>
+              <a:rPr lang="en-US" dirty="0"/>
+              <a:t>()` methods.</a:t>
+            </a:r>
+          </a:p>
+          <a:p>
             <a:endParaRPr lang="en-US" dirty="0"/>
           </a:p>
         </p:txBody>
@@ -1412,7 +1951,7 @@
             <a:spLocks noGrp="1"/>
           </p:cNvSpPr>
           <p:nvPr>
-            <p:ph type="hdr" sz="quarter" idx="10"/>
+            <p:ph type="hdr" sz="quarter"/>
           </p:nvPr>
         </p:nvSpPr>
         <p:spPr/>
@@ -1420,6 +1959,10 @@
           <a:bodyPr/>
           <a:lstStyle/>
           <a:p>
+            <a:r>
+              <a:rPr lang="en-US"/>
+              <a:t>SharePoint Framework</a:t>
+            </a:r>
             <a:endParaRPr lang="en-US" dirty="0"/>
           </a:p>
         </p:txBody>
@@ -1431,7 +1974,7 @@
             <a:spLocks noGrp="1"/>
           </p:cNvSpPr>
           <p:nvPr>
-            <p:ph type="ftr" sz="quarter" idx="11"/>
+            <p:ph type="ftr" sz="quarter" idx="4"/>
           </p:nvPr>
         </p:nvSpPr>
         <p:spPr/>
@@ -1485,7 +2028,7 @@
             <a:spLocks noGrp="1"/>
           </p:cNvSpPr>
           <p:nvPr>
-            <p:ph type="dt" idx="12"/>
+            <p:ph type="dt" idx="1"/>
           </p:nvPr>
         </p:nvSpPr>
         <p:spPr/>
@@ -1495,7 +2038,7 @@
           <a:p>
             <a:fld id="{D18B56EA-E28F-4F92-9F16-7A6F2501B303}" type="datetime8">
               <a:rPr lang="en-US" smtClean="0"/>
-              <a:t>3/3/2019 9:41 AM</a:t>
+              <a:t>3/2/20 6:37 AM</a:t>
             </a:fld>
             <a:endParaRPr lang="en-US" dirty="0"/>
           </a:p>
@@ -1508,7 +2051,7 @@
             <a:spLocks noGrp="1"/>
           </p:cNvSpPr>
           <p:nvPr>
-            <p:ph type="sldNum" sz="quarter" idx="13"/>
+            <p:ph type="sldNum" sz="quarter" idx="5"/>
           </p:nvPr>
         </p:nvSpPr>
         <p:spPr/>
@@ -1519,7 +2062,7 @@
             <a:fld id="{B4008EB6-D09E-4580-8CD6-DDB14511944F}" type="slidenum">
               <a:rPr lang="en-US" smtClean="0"/>
               <a:pPr/>
-              <a:t>11</a:t>
+              <a:t>4</a:t>
             </a:fld>
             <a:endParaRPr lang="en-US" dirty="0"/>
           </a:p>
@@ -1528,7 +2071,7 @@
     </p:spTree>
     <p:extLst>
       <p:ext uri="{BB962C8B-B14F-4D97-AF65-F5344CB8AC3E}">
-        <p14:creationId xmlns:p14="http://schemas.microsoft.com/office/powerpoint/2010/main" val="3282806226"/>
+        <p14:creationId xmlns:p14="http://schemas.microsoft.com/office/powerpoint/2010/main" val="1546001119"/>
       </p:ext>
     </p:extLst>
   </p:cSld>
@@ -1582,7 +2125,75 @@
           <a:bodyPr/>
           <a:lstStyle/>
           <a:p>
-            <a:endParaRPr lang="en-US"/>
+            <a:r>
+              <a:rPr lang="en-US" dirty="0"/>
+              <a:t>Field customizers are deployed to SharePoint as new site columns. To associate a field customizer with a site column defined with the declarative option using the `&lt;Field&gt;` element, set the `</a:t>
+            </a:r>
+            <a:r>
+              <a:rPr lang="en-US" dirty="0" err="1"/>
+              <a:t>ClientSideComponentId</a:t>
+            </a:r>
+            <a:r>
+              <a:rPr lang="en-US" dirty="0"/>
+              <a:t>` property to the unique ID of the field customizer component define in it's manifest file. SharePoint will load the installed field customizer on the page when a list containing the site column is displayed on the page.</a:t>
+            </a:r>
+          </a:p>
+          <a:p>
+            <a:endParaRPr lang="en-US" dirty="0"/>
+          </a:p>
+          <a:p>
+            <a:r>
+              <a:rPr lang="en-US" dirty="0"/>
+              <a:t>&gt; [!IMPORTANT]</a:t>
+            </a:r>
+          </a:p>
+          <a:p>
+            <a:r>
+              <a:rPr lang="en-US" dirty="0"/>
+              <a:t>&gt; You must ensure that the field customer is installed in a site wherever the site column is used.</a:t>
+            </a:r>
+          </a:p>
+          <a:p>
+            <a:endParaRPr lang="en-US" dirty="0"/>
+          </a:p>
+          <a:p>
+            <a:r>
+              <a:rPr lang="en-US" dirty="0"/>
+              <a:t>Developers can set the public properties on the field customizer using the `</a:t>
+            </a:r>
+            <a:r>
+              <a:rPr lang="en-US" dirty="0" err="1"/>
+              <a:t>ClientSideComponentProperties</a:t>
+            </a:r>
+            <a:r>
+              <a:rPr lang="en-US" dirty="0"/>
+              <a:t>` property on the site column's `&lt;Field&gt;` element. The value of this property should be set to a XML encoded JSON string of the properties.</a:t>
+            </a:r>
+          </a:p>
+          <a:p>
+            <a:endParaRPr lang="en-US" dirty="0"/>
+          </a:p>
+          <a:p>
+            <a:r>
+              <a:rPr lang="en-US" dirty="0"/>
+              <a:t>You can also add a field customizer to site column programmatically by setting properties `</a:t>
+            </a:r>
+            <a:r>
+              <a:rPr lang="en-US" dirty="0" err="1"/>
+              <a:t>ClientSideComponentId</a:t>
+            </a:r>
+            <a:r>
+              <a:rPr lang="en-US" dirty="0"/>
+              <a:t>` and `</a:t>
+            </a:r>
+            <a:r>
+              <a:rPr lang="en-US" dirty="0" err="1"/>
+              <a:t>ClientSideComponentProperties</a:t>
+            </a:r>
+            <a:r>
+              <a:rPr lang="en-US" dirty="0"/>
+              <a:t>` are available on the `Field` object.</a:t>
+            </a:r>
           </a:p>
         </p:txBody>
       </p:sp>
@@ -1593,7 +2204,7 @@
             <a:spLocks noGrp="1"/>
           </p:cNvSpPr>
           <p:nvPr>
-            <p:ph type="hdr" sz="quarter" idx="10"/>
+            <p:ph type="hdr" sz="quarter"/>
           </p:nvPr>
         </p:nvSpPr>
         <p:spPr/>
@@ -1601,6 +2212,10 @@
           <a:bodyPr/>
           <a:lstStyle/>
           <a:p>
+            <a:r>
+              <a:rPr lang="en-US"/>
+              <a:t>SharePoint Framework</a:t>
+            </a:r>
             <a:endParaRPr lang="en-US" dirty="0"/>
           </a:p>
         </p:txBody>
@@ -1612,7 +2227,7 @@
             <a:spLocks noGrp="1"/>
           </p:cNvSpPr>
           <p:nvPr>
-            <p:ph type="ftr" sz="quarter" idx="11"/>
+            <p:ph type="ftr" sz="quarter" idx="4"/>
           </p:nvPr>
         </p:nvSpPr>
         <p:spPr/>
@@ -1666,7 +2281,7 @@
             <a:spLocks noGrp="1"/>
           </p:cNvSpPr>
           <p:nvPr>
-            <p:ph type="dt" idx="12"/>
+            <p:ph type="dt" idx="1"/>
           </p:nvPr>
         </p:nvSpPr>
         <p:spPr/>
@@ -1676,7 +2291,7 @@
           <a:p>
             <a:fld id="{D18B56EA-E28F-4F92-9F16-7A6F2501B303}" type="datetime8">
               <a:rPr lang="en-US" smtClean="0"/>
-              <a:t>3/3/2019 9:41 AM</a:t>
+              <a:t>3/2/20 6:52 AM</a:t>
             </a:fld>
             <a:endParaRPr lang="en-US" dirty="0"/>
           </a:p>
@@ -1689,7 +2304,7 @@
             <a:spLocks noGrp="1"/>
           </p:cNvSpPr>
           <p:nvPr>
-            <p:ph type="sldNum" sz="quarter" idx="13"/>
+            <p:ph type="sldNum" sz="quarter" idx="5"/>
           </p:nvPr>
         </p:nvSpPr>
         <p:spPr/>
@@ -1700,7 +2315,7 @@
             <a:fld id="{B4008EB6-D09E-4580-8CD6-DDB14511944F}" type="slidenum">
               <a:rPr lang="en-US" smtClean="0"/>
               <a:pPr/>
-              <a:t>12</a:t>
+              <a:t>5</a:t>
             </a:fld>
             <a:endParaRPr lang="en-US" dirty="0"/>
           </a:p>
@@ -1709,7 +2324,7 @@
     </p:spTree>
     <p:extLst>
       <p:ext uri="{BB962C8B-B14F-4D97-AF65-F5344CB8AC3E}">
-        <p14:creationId xmlns:p14="http://schemas.microsoft.com/office/powerpoint/2010/main" val="2510823477"/>
+        <p14:creationId xmlns:p14="http://schemas.microsoft.com/office/powerpoint/2010/main" val="1512897302"/>
       </p:ext>
     </p:extLst>
   </p:cSld>
@@ -1763,7 +2378,100 @@
           <a:bodyPr/>
           <a:lstStyle/>
           <a:p>
-            <a:endParaRPr lang="en-US"/>
+            <a:r>
+              <a:rPr lang="en-US" dirty="0"/>
+              <a:t>Now let's look at how you can debug and text SharePoint Framework extensions. Unlike client-side web parts, extensions require a live SharePoint site, list, or library. This means you can't test extensions in either the local or SharePoint-hosted workbench. You can still build and host extensions projects locally while debugging and testing in a remote SharePoint site.</a:t>
+            </a:r>
+          </a:p>
+          <a:p>
+            <a:endParaRPr lang="en-US" dirty="0"/>
+          </a:p>
+          <a:p>
+            <a:r>
+              <a:rPr lang="en-US" dirty="0"/>
+              <a:t>The testing experience is similar to the experience when you use the hosted SharePoint workbench for a web part development testing and debugging.</a:t>
+            </a:r>
+          </a:p>
+          <a:p>
+            <a:endParaRPr lang="en-US" dirty="0"/>
+          </a:p>
+          <a:p>
+            <a:r>
+              <a:rPr lang="en-US" dirty="0"/>
+              <a:t>To test an extension, you include special query string parameters to the URL of a live SharePoint modern page, list, or library. These parameters instruct SharePoint to do the following things:</a:t>
+            </a:r>
+          </a:p>
+          <a:p>
+            <a:endParaRPr lang="en-US" dirty="0"/>
+          </a:p>
+          <a:p>
+            <a:r>
+              <a:rPr lang="en-US" dirty="0"/>
+              <a:t>- load the SharePoint Framework on the page if it isn't already present</a:t>
+            </a:r>
+          </a:p>
+          <a:p>
+            <a:r>
+              <a:rPr lang="en-US" dirty="0"/>
+              <a:t>- the location of the **</a:t>
+            </a:r>
+            <a:r>
+              <a:rPr lang="en-US" dirty="0" err="1"/>
+              <a:t>manifest.js</a:t>
+            </a:r>
+            <a:r>
+              <a:rPr lang="en-US" dirty="0"/>
+              <a:t>** file from the local web server that tells SharePoint what custom components can be put on the page</a:t>
+            </a:r>
+          </a:p>
+          <a:p>
+            <a:r>
+              <a:rPr lang="en-US" dirty="0"/>
+              <a:t>- which component the SharePoint Framework should load and put on the page</a:t>
+            </a:r>
+          </a:p>
+          <a:p>
+            <a:r>
+              <a:rPr lang="en-US" dirty="0"/>
+              <a:t>- additional properties specific to each component</a:t>
+            </a:r>
+          </a:p>
+          <a:p>
+            <a:endParaRPr lang="en-US" dirty="0"/>
+          </a:p>
+          <a:p>
+            <a:r>
+              <a:rPr lang="en-US" dirty="0"/>
+              <a:t>The Yeoman generator for the SharePoint Framework simplifies this process </a:t>
+            </a:r>
+            <a:r>
+              <a:rPr lang="en-US" dirty="0" err="1"/>
+              <a:t>fo</a:t>
+            </a:r>
+            <a:r>
+              <a:rPr lang="en-US" dirty="0"/>
+              <a:t> you by creating a configuration that the **gulp serve** task uses to create the debugging URL. These settings are defined in the **./config/</a:t>
+            </a:r>
+            <a:r>
+              <a:rPr lang="en-US" dirty="0" err="1"/>
+              <a:t>serve.json</a:t>
+            </a:r>
+            <a:r>
+              <a:rPr lang="en-US" dirty="0"/>
+              <a:t>** file.</a:t>
+            </a:r>
+          </a:p>
+          <a:p>
+            <a:endParaRPr lang="en-US" dirty="0"/>
+          </a:p>
+          <a:p>
+            <a:r>
+              <a:rPr lang="en-US" dirty="0"/>
+              <a:t>When SharePoint receives the request with these query string parameters, it will first prompt the user to confirm they want to load debugging scripts. SharePoint does this same technique could be used in a phishing attack. Therefore, you should only load the debugging scripts if you're sure you started the request.</a:t>
+            </a:r>
+          </a:p>
+          <a:p>
+            <a:endParaRPr lang="en-US" dirty="0"/>
           </a:p>
         </p:txBody>
       </p:sp>
@@ -1774,7 +2482,7 @@
             <a:spLocks noGrp="1"/>
           </p:cNvSpPr>
           <p:nvPr>
-            <p:ph type="hdr" sz="quarter" idx="10"/>
+            <p:ph type="hdr" sz="quarter"/>
           </p:nvPr>
         </p:nvSpPr>
         <p:spPr/>
@@ -1782,6 +2490,10 @@
           <a:bodyPr/>
           <a:lstStyle/>
           <a:p>
+            <a:r>
+              <a:rPr lang="en-US"/>
+              <a:t>SharePoint Framework</a:t>
+            </a:r>
             <a:endParaRPr lang="en-US" dirty="0"/>
           </a:p>
         </p:txBody>
@@ -1793,7 +2505,7 @@
             <a:spLocks noGrp="1"/>
           </p:cNvSpPr>
           <p:nvPr>
-            <p:ph type="ftr" sz="quarter" idx="11"/>
+            <p:ph type="ftr" sz="quarter" idx="4"/>
           </p:nvPr>
         </p:nvSpPr>
         <p:spPr/>
@@ -1847,7 +2559,7 @@
             <a:spLocks noGrp="1"/>
           </p:cNvSpPr>
           <p:nvPr>
-            <p:ph type="dt" idx="12"/>
+            <p:ph type="dt" idx="1"/>
           </p:nvPr>
         </p:nvSpPr>
         <p:spPr/>
@@ -1857,7 +2569,395 @@
           <a:p>
             <a:fld id="{D18B56EA-E28F-4F92-9F16-7A6F2501B303}" type="datetime8">
               <a:rPr lang="en-US" smtClean="0"/>
-              <a:t>3/3/2019 9:41 AM</a:t>
+              <a:t>3/2/20 6:43 AM</a:t>
+            </a:fld>
+            <a:endParaRPr lang="en-US" dirty="0"/>
+          </a:p>
+        </p:txBody>
+      </p:sp>
+      <p:sp>
+        <p:nvSpPr>
+          <p:cNvPr id="7" name="Slide Number Placeholder 6"/>
+          <p:cNvSpPr>
+            <a:spLocks noGrp="1"/>
+          </p:cNvSpPr>
+          <p:nvPr>
+            <p:ph type="sldNum" sz="quarter" idx="5"/>
+          </p:nvPr>
+        </p:nvSpPr>
+        <p:spPr/>
+        <p:txBody>
+          <a:bodyPr/>
+          <a:lstStyle/>
+          <a:p>
+            <a:fld id="{B4008EB6-D09E-4580-8CD6-DDB14511944F}" type="slidenum">
+              <a:rPr lang="en-US" smtClean="0"/>
+              <a:pPr/>
+              <a:t>6</a:t>
+            </a:fld>
+            <a:endParaRPr lang="en-US" dirty="0"/>
+          </a:p>
+        </p:txBody>
+      </p:sp>
+    </p:spTree>
+    <p:extLst>
+      <p:ext uri="{BB962C8B-B14F-4D97-AF65-F5344CB8AC3E}">
+        <p14:creationId xmlns:p14="http://schemas.microsoft.com/office/powerpoint/2010/main" val="3392056400"/>
+      </p:ext>
+    </p:extLst>
+  </p:cSld>
+  <p:clrMapOvr>
+    <a:masterClrMapping/>
+  </p:clrMapOvr>
+</p:notes>
+</file>
+
+<file path=ppt/notesSlides/notesSlide7.xml><?xml version="1.0" encoding="utf-8"?>
+<p:notes xmlns:a="http://schemas.openxmlformats.org/drawingml/2006/main" xmlns:r="http://schemas.openxmlformats.org/officeDocument/2006/relationships" xmlns:p="http://schemas.openxmlformats.org/presentationml/2006/main">
+  <p:cSld>
+    <p:spTree>
+      <p:nvGrpSpPr>
+        <p:cNvPr id="1" name=""/>
+        <p:cNvGrpSpPr/>
+        <p:nvPr/>
+      </p:nvGrpSpPr>
+      <p:grpSpPr>
+        <a:xfrm>
+          <a:off x="0" y="0"/>
+          <a:ext cx="0" cy="0"/>
+          <a:chOff x="0" y="0"/>
+          <a:chExt cx="0" cy="0"/>
+        </a:xfrm>
+      </p:grpSpPr>
+      <p:sp>
+        <p:nvSpPr>
+          <p:cNvPr id="2" name="Slide Image Placeholder 1"/>
+          <p:cNvSpPr>
+            <a:spLocks noGrp="1" noRot="1" noChangeAspect="1"/>
+          </p:cNvSpPr>
+          <p:nvPr>
+            <p:ph type="sldImg"/>
+          </p:nvPr>
+        </p:nvSpPr>
+        <p:spPr/>
+      </p:sp>
+      <p:sp>
+        <p:nvSpPr>
+          <p:cNvPr id="3" name="Notes Placeholder 2"/>
+          <p:cNvSpPr>
+            <a:spLocks noGrp="1"/>
+          </p:cNvSpPr>
+          <p:nvPr>
+            <p:ph type="body" idx="1"/>
+          </p:nvPr>
+        </p:nvSpPr>
+        <p:spPr/>
+        <p:txBody>
+          <a:bodyPr/>
+          <a:lstStyle/>
+          <a:p>
+            <a:r>
+              <a:rPr lang="en-US" dirty="0"/>
+              <a:t>When testing a field customizer using the query string option, take note of the `</a:t>
+            </a:r>
+            <a:r>
+              <a:rPr lang="en-US" dirty="0" err="1"/>
+              <a:t>InternalFieldName</a:t>
+            </a:r>
+            <a:r>
+              <a:rPr lang="en-US" dirty="0"/>
+              <a:t>` property in the **</a:t>
+            </a:r>
+            <a:r>
+              <a:rPr lang="en-US" dirty="0" err="1"/>
+              <a:t>serve.json</a:t>
+            </a:r>
+            <a:r>
+              <a:rPr lang="en-US" dirty="0"/>
+              <a:t>** file. You must update that property to match the name of the column's internal name property that you want to map the field customizer to during testing.</a:t>
+            </a:r>
+          </a:p>
+          <a:p>
+            <a:endParaRPr lang="en-US" dirty="0"/>
+          </a:p>
+        </p:txBody>
+      </p:sp>
+      <p:sp>
+        <p:nvSpPr>
+          <p:cNvPr id="4" name="Header Placeholder 3"/>
+          <p:cNvSpPr>
+            <a:spLocks noGrp="1"/>
+          </p:cNvSpPr>
+          <p:nvPr>
+            <p:ph type="hdr" sz="quarter"/>
+          </p:nvPr>
+        </p:nvSpPr>
+        <p:spPr/>
+        <p:txBody>
+          <a:bodyPr/>
+          <a:lstStyle/>
+          <a:p>
+            <a:r>
+              <a:rPr lang="en-US"/>
+              <a:t>SharePoint Framework</a:t>
+            </a:r>
+            <a:endParaRPr lang="en-US" dirty="0"/>
+          </a:p>
+        </p:txBody>
+      </p:sp>
+      <p:sp>
+        <p:nvSpPr>
+          <p:cNvPr id="5" name="Footer Placeholder 4"/>
+          <p:cNvSpPr>
+            <a:spLocks noGrp="1"/>
+          </p:cNvSpPr>
+          <p:nvPr>
+            <p:ph type="ftr" sz="quarter" idx="4"/>
+          </p:nvPr>
+        </p:nvSpPr>
+        <p:spPr/>
+        <p:txBody>
+          <a:bodyPr/>
+          <a:lstStyle/>
+          <a:p>
+            <a:pPr defTabSz="914099" eaLnBrk="0" hangingPunct="0"/>
+            <a:r>
+              <a:rPr lang="en-US" sz="400">
+                <a:gradFill>
+                  <a:gsLst>
+                    <a:gs pos="0">
+                      <a:prstClr val="black"/>
+                    </a:gs>
+                    <a:gs pos="100000">
+                      <a:prstClr val="black"/>
+                    </a:gs>
+                  </a:gsLst>
+                  <a:lin ang="5400000" scaled="0"/>
+                </a:gradFill>
+                <a:latin typeface="Segoe UI" pitchFamily="34" charset="0"/>
+                <a:ea typeface="Segoe UI" pitchFamily="34" charset="0"/>
+                <a:cs typeface="Segoe UI" pitchFamily="34" charset="0"/>
+              </a:rPr>
+              <a:t>© Microsoft Corporation. All rights reserved. MICROSOFT MAKES NO WARRANTIES, EXPRESS, IMPLIED OR STATUTORY, AS TO THE INFORMATION IN THIS PRESENTATION.</a:t>
+            </a:r>
+            <a:endParaRPr lang="en-US" sz="400" dirty="0">
+              <a:gradFill>
+                <a:gsLst>
+                  <a:gs pos="0">
+                    <a:prstClr val="black"/>
+                  </a:gs>
+                  <a:gs pos="100000">
+                    <a:prstClr val="black"/>
+                  </a:gs>
+                </a:gsLst>
+                <a:lin ang="5400000" scaled="0"/>
+              </a:gradFill>
+              <a:latin typeface="Segoe UI" pitchFamily="34" charset="0"/>
+              <a:ea typeface="Segoe UI" pitchFamily="34" charset="0"/>
+              <a:cs typeface="Segoe UI" pitchFamily="34" charset="0"/>
+            </a:endParaRPr>
+          </a:p>
+        </p:txBody>
+      </p:sp>
+      <p:sp>
+        <p:nvSpPr>
+          <p:cNvPr id="6" name="Date Placeholder 5"/>
+          <p:cNvSpPr>
+            <a:spLocks noGrp="1"/>
+          </p:cNvSpPr>
+          <p:nvPr>
+            <p:ph type="dt" idx="1"/>
+          </p:nvPr>
+        </p:nvSpPr>
+        <p:spPr/>
+        <p:txBody>
+          <a:bodyPr/>
+          <a:lstStyle/>
+          <a:p>
+            <a:fld id="{D18B56EA-E28F-4F92-9F16-7A6F2501B303}" type="datetime8">
+              <a:rPr lang="en-US" smtClean="0"/>
+              <a:t>3/2/20 6:50 AM</a:t>
+            </a:fld>
+            <a:endParaRPr lang="en-US" dirty="0"/>
+          </a:p>
+        </p:txBody>
+      </p:sp>
+      <p:sp>
+        <p:nvSpPr>
+          <p:cNvPr id="7" name="Slide Number Placeholder 6"/>
+          <p:cNvSpPr>
+            <a:spLocks noGrp="1"/>
+          </p:cNvSpPr>
+          <p:nvPr>
+            <p:ph type="sldNum" sz="quarter" idx="5"/>
+          </p:nvPr>
+        </p:nvSpPr>
+        <p:spPr/>
+        <p:txBody>
+          <a:bodyPr/>
+          <a:lstStyle/>
+          <a:p>
+            <a:fld id="{B4008EB6-D09E-4580-8CD6-DDB14511944F}" type="slidenum">
+              <a:rPr lang="en-US" smtClean="0"/>
+              <a:pPr/>
+              <a:t>7</a:t>
+            </a:fld>
+            <a:endParaRPr lang="en-US" dirty="0"/>
+          </a:p>
+        </p:txBody>
+      </p:sp>
+    </p:spTree>
+    <p:extLst>
+      <p:ext uri="{BB962C8B-B14F-4D97-AF65-F5344CB8AC3E}">
+        <p14:creationId xmlns:p14="http://schemas.microsoft.com/office/powerpoint/2010/main" val="3782000196"/>
+      </p:ext>
+    </p:extLst>
+  </p:cSld>
+  <p:clrMapOvr>
+    <a:masterClrMapping/>
+  </p:clrMapOvr>
+</p:notes>
+</file>
+
+<file path=ppt/notesSlides/notesSlide8.xml><?xml version="1.0" encoding="utf-8"?>
+<p:notes xmlns:a="http://schemas.openxmlformats.org/drawingml/2006/main" xmlns:r="http://schemas.openxmlformats.org/officeDocument/2006/relationships" xmlns:p="http://schemas.openxmlformats.org/presentationml/2006/main">
+  <p:cSld>
+    <p:spTree>
+      <p:nvGrpSpPr>
+        <p:cNvPr id="1" name=""/>
+        <p:cNvGrpSpPr/>
+        <p:nvPr/>
+      </p:nvGrpSpPr>
+      <p:grpSpPr>
+        <a:xfrm>
+          <a:off x="0" y="0"/>
+          <a:ext cx="0" cy="0"/>
+          <a:chOff x="0" y="0"/>
+          <a:chExt cx="0" cy="0"/>
+        </a:xfrm>
+      </p:grpSpPr>
+      <p:sp>
+        <p:nvSpPr>
+          <p:cNvPr id="2" name="Slide Image Placeholder 1"/>
+          <p:cNvSpPr>
+            <a:spLocks noGrp="1" noRot="1" noChangeAspect="1"/>
+          </p:cNvSpPr>
+          <p:nvPr>
+            <p:ph type="sldImg"/>
+          </p:nvPr>
+        </p:nvSpPr>
+        <p:spPr/>
+      </p:sp>
+      <p:sp>
+        <p:nvSpPr>
+          <p:cNvPr id="3" name="Notes Placeholder 2"/>
+          <p:cNvSpPr>
+            <a:spLocks noGrp="1"/>
+          </p:cNvSpPr>
+          <p:nvPr>
+            <p:ph type="body" idx="1"/>
+          </p:nvPr>
+        </p:nvSpPr>
+        <p:spPr/>
+        <p:txBody>
+          <a:bodyPr/>
+          <a:lstStyle/>
+          <a:p>
+            <a:endParaRPr lang="en-US"/>
+          </a:p>
+        </p:txBody>
+      </p:sp>
+      <p:sp>
+        <p:nvSpPr>
+          <p:cNvPr id="4" name="Header Placeholder 3"/>
+          <p:cNvSpPr>
+            <a:spLocks noGrp="1"/>
+          </p:cNvSpPr>
+          <p:nvPr>
+            <p:ph type="hdr" sz="quarter" idx="10"/>
+          </p:nvPr>
+        </p:nvSpPr>
+        <p:spPr/>
+        <p:txBody>
+          <a:bodyPr/>
+          <a:lstStyle/>
+          <a:p>
+            <a:endParaRPr lang="en-US" dirty="0"/>
+          </a:p>
+        </p:txBody>
+      </p:sp>
+      <p:sp>
+        <p:nvSpPr>
+          <p:cNvPr id="5" name="Footer Placeholder 4"/>
+          <p:cNvSpPr>
+            <a:spLocks noGrp="1"/>
+          </p:cNvSpPr>
+          <p:nvPr>
+            <p:ph type="ftr" sz="quarter" idx="11"/>
+          </p:nvPr>
+        </p:nvSpPr>
+        <p:spPr/>
+        <p:txBody>
+          <a:bodyPr/>
+          <a:lstStyle/>
+          <a:p>
+            <a:pPr defTabSz="914099" eaLnBrk="0" hangingPunct="0"/>
+            <a:r>
+              <a:rPr lang="en-US" sz="400">
+                <a:gradFill>
+                  <a:gsLst>
+                    <a:gs pos="0">
+                      <a:prstClr val="black"/>
+                    </a:gs>
+                    <a:gs pos="100000">
+                      <a:prstClr val="black"/>
+                    </a:gs>
+                  </a:gsLst>
+                  <a:lin ang="5400000" scaled="0"/>
+                </a:gradFill>
+                <a:latin typeface="Segoe UI" pitchFamily="34" charset="0"/>
+                <a:ea typeface="Segoe UI" pitchFamily="34" charset="0"/>
+                <a:cs typeface="Segoe UI" pitchFamily="34" charset="0"/>
+              </a:rPr>
+              <a:t>© Microsoft Corporation. All rights reserved. MICROSOFT MAKES NO WARRANTIES, EXPRESS, IMPLIED OR STATUTORY, AS TO THE INFORMATION IN THIS PRESENTATION.</a:t>
+            </a:r>
+            <a:endParaRPr lang="en-US" sz="400" dirty="0">
+              <a:gradFill>
+                <a:gsLst>
+                  <a:gs pos="0">
+                    <a:prstClr val="black"/>
+                  </a:gs>
+                  <a:gs pos="100000">
+                    <a:prstClr val="black"/>
+                  </a:gs>
+                </a:gsLst>
+                <a:lin ang="5400000" scaled="0"/>
+              </a:gradFill>
+              <a:latin typeface="Segoe UI" pitchFamily="34" charset="0"/>
+              <a:ea typeface="Segoe UI" pitchFamily="34" charset="0"/>
+              <a:cs typeface="Segoe UI" pitchFamily="34" charset="0"/>
+            </a:endParaRPr>
+          </a:p>
+        </p:txBody>
+      </p:sp>
+      <p:sp>
+        <p:nvSpPr>
+          <p:cNvPr id="6" name="Date Placeholder 5"/>
+          <p:cNvSpPr>
+            <a:spLocks noGrp="1"/>
+          </p:cNvSpPr>
+          <p:nvPr>
+            <p:ph type="dt" idx="12"/>
+          </p:nvPr>
+        </p:nvSpPr>
+        <p:spPr/>
+        <p:txBody>
+          <a:bodyPr/>
+          <a:lstStyle/>
+          <a:p>
+            <a:fld id="{D18B56EA-E28F-4F92-9F16-7A6F2501B303}" type="datetime8">
+              <a:rPr lang="en-US" smtClean="0"/>
+              <a:t>3/2/20 6:00 AM</a:t>
             </a:fld>
             <a:endParaRPr lang="en-US" dirty="0"/>
           </a:p>
@@ -1881,7 +2981,7 @@
             <a:fld id="{B4008EB6-D09E-4580-8CD6-DDB14511944F}" type="slidenum">
               <a:rPr lang="en-US" smtClean="0"/>
               <a:pPr/>
-              <a:t>13</a:t>
+              <a:t>8</a:t>
             </a:fld>
             <a:endParaRPr lang="en-US" dirty="0"/>
           </a:p>
@@ -1890,7 +2990,188 @@
     </p:spTree>
     <p:extLst>
       <p:ext uri="{BB962C8B-B14F-4D97-AF65-F5344CB8AC3E}">
-        <p14:creationId xmlns:p14="http://schemas.microsoft.com/office/powerpoint/2010/main" val="1685519606"/>
+        <p14:creationId xmlns:p14="http://schemas.microsoft.com/office/powerpoint/2010/main" val="2593812498"/>
+      </p:ext>
+    </p:extLst>
+  </p:cSld>
+  <p:clrMapOvr>
+    <a:masterClrMapping/>
+  </p:clrMapOvr>
+</p:notes>
+</file>
+
+<file path=ppt/notesSlides/notesSlide9.xml><?xml version="1.0" encoding="utf-8"?>
+<p:notes xmlns:a="http://schemas.openxmlformats.org/drawingml/2006/main" xmlns:r="http://schemas.openxmlformats.org/officeDocument/2006/relationships" xmlns:p="http://schemas.openxmlformats.org/presentationml/2006/main">
+  <p:cSld>
+    <p:spTree>
+      <p:nvGrpSpPr>
+        <p:cNvPr id="1" name=""/>
+        <p:cNvGrpSpPr/>
+        <p:nvPr/>
+      </p:nvGrpSpPr>
+      <p:grpSpPr>
+        <a:xfrm>
+          <a:off x="0" y="0"/>
+          <a:ext cx="0" cy="0"/>
+          <a:chOff x="0" y="0"/>
+          <a:chExt cx="0" cy="0"/>
+        </a:xfrm>
+      </p:grpSpPr>
+      <p:sp>
+        <p:nvSpPr>
+          <p:cNvPr id="2" name="Slide Image Placeholder 1"/>
+          <p:cNvSpPr>
+            <a:spLocks noGrp="1" noRot="1" noChangeAspect="1"/>
+          </p:cNvSpPr>
+          <p:nvPr>
+            <p:ph type="sldImg"/>
+          </p:nvPr>
+        </p:nvSpPr>
+        <p:spPr/>
+      </p:sp>
+      <p:sp>
+        <p:nvSpPr>
+          <p:cNvPr id="3" name="Notes Placeholder 2"/>
+          <p:cNvSpPr>
+            <a:spLocks noGrp="1"/>
+          </p:cNvSpPr>
+          <p:nvPr>
+            <p:ph type="body" idx="1"/>
+          </p:nvPr>
+        </p:nvSpPr>
+        <p:spPr/>
+        <p:txBody>
+          <a:bodyPr/>
+          <a:lstStyle/>
+          <a:p>
+            <a:endParaRPr lang="en-US" dirty="0"/>
+          </a:p>
+        </p:txBody>
+      </p:sp>
+      <p:sp>
+        <p:nvSpPr>
+          <p:cNvPr id="4" name="Header Placeholder 3"/>
+          <p:cNvSpPr>
+            <a:spLocks noGrp="1"/>
+          </p:cNvSpPr>
+          <p:nvPr>
+            <p:ph type="hdr" sz="quarter" idx="10"/>
+          </p:nvPr>
+        </p:nvSpPr>
+        <p:spPr/>
+        <p:txBody>
+          <a:bodyPr/>
+          <a:lstStyle/>
+          <a:p>
+            <a:endParaRPr lang="en-US" dirty="0"/>
+          </a:p>
+        </p:txBody>
+      </p:sp>
+      <p:sp>
+        <p:nvSpPr>
+          <p:cNvPr id="5" name="Footer Placeholder 4"/>
+          <p:cNvSpPr>
+            <a:spLocks noGrp="1"/>
+          </p:cNvSpPr>
+          <p:nvPr>
+            <p:ph type="ftr" sz="quarter" idx="11"/>
+          </p:nvPr>
+        </p:nvSpPr>
+        <p:spPr/>
+        <p:txBody>
+          <a:bodyPr/>
+          <a:lstStyle/>
+          <a:p>
+            <a:pPr defTabSz="914099" eaLnBrk="0" hangingPunct="0"/>
+            <a:r>
+              <a:rPr lang="en-US" sz="400">
+                <a:gradFill>
+                  <a:gsLst>
+                    <a:gs pos="0">
+                      <a:prstClr val="black"/>
+                    </a:gs>
+                    <a:gs pos="100000">
+                      <a:prstClr val="black"/>
+                    </a:gs>
+                  </a:gsLst>
+                  <a:lin ang="5400000" scaled="0"/>
+                </a:gradFill>
+                <a:latin typeface="Segoe UI" pitchFamily="34" charset="0"/>
+                <a:ea typeface="Segoe UI" pitchFamily="34" charset="0"/>
+                <a:cs typeface="Segoe UI" pitchFamily="34" charset="0"/>
+              </a:rPr>
+              <a:t>© Microsoft Corporation. All rights reserved. MICROSOFT MAKES NO WARRANTIES, EXPRESS, IMPLIED OR STATUTORY, AS TO THE INFORMATION IN THIS PRESENTATION.</a:t>
+            </a:r>
+            <a:endParaRPr lang="en-US" sz="400" dirty="0">
+              <a:gradFill>
+                <a:gsLst>
+                  <a:gs pos="0">
+                    <a:prstClr val="black"/>
+                  </a:gs>
+                  <a:gs pos="100000">
+                    <a:prstClr val="black"/>
+                  </a:gs>
+                </a:gsLst>
+                <a:lin ang="5400000" scaled="0"/>
+              </a:gradFill>
+              <a:latin typeface="Segoe UI" pitchFamily="34" charset="0"/>
+              <a:ea typeface="Segoe UI" pitchFamily="34" charset="0"/>
+              <a:cs typeface="Segoe UI" pitchFamily="34" charset="0"/>
+            </a:endParaRPr>
+          </a:p>
+        </p:txBody>
+      </p:sp>
+      <p:sp>
+        <p:nvSpPr>
+          <p:cNvPr id="6" name="Date Placeholder 5"/>
+          <p:cNvSpPr>
+            <a:spLocks noGrp="1"/>
+          </p:cNvSpPr>
+          <p:nvPr>
+            <p:ph type="dt" idx="12"/>
+          </p:nvPr>
+        </p:nvSpPr>
+        <p:spPr/>
+        <p:txBody>
+          <a:bodyPr/>
+          <a:lstStyle/>
+          <a:p>
+            <a:fld id="{D18B56EA-E28F-4F92-9F16-7A6F2501B303}" type="datetime8">
+              <a:rPr lang="en-US" smtClean="0"/>
+              <a:t>3/2/20 6:00 AM</a:t>
+            </a:fld>
+            <a:endParaRPr lang="en-US" dirty="0"/>
+          </a:p>
+        </p:txBody>
+      </p:sp>
+      <p:sp>
+        <p:nvSpPr>
+          <p:cNvPr id="7" name="Slide Number Placeholder 6"/>
+          <p:cNvSpPr>
+            <a:spLocks noGrp="1"/>
+          </p:cNvSpPr>
+          <p:nvPr>
+            <p:ph type="sldNum" sz="quarter" idx="13"/>
+          </p:nvPr>
+        </p:nvSpPr>
+        <p:spPr/>
+        <p:txBody>
+          <a:bodyPr/>
+          <a:lstStyle/>
+          <a:p>
+            <a:fld id="{B4008EB6-D09E-4580-8CD6-DDB14511944F}" type="slidenum">
+              <a:rPr lang="en-US" smtClean="0"/>
+              <a:pPr/>
+              <a:t>10</a:t>
+            </a:fld>
+            <a:endParaRPr lang="en-US" dirty="0"/>
+          </a:p>
+        </p:txBody>
+      </p:sp>
+    </p:spTree>
+    <p:extLst>
+      <p:ext uri="{BB962C8B-B14F-4D97-AF65-F5344CB8AC3E}">
+        <p14:creationId xmlns:p14="http://schemas.microsoft.com/office/powerpoint/2010/main" val="3282806226"/>
       </p:ext>
     </p:extLst>
   </p:cSld>
@@ -14425,7 +15706,7 @@
       </a:lvl9pPr>
     </p:otherStyle>
   </p:txStyles>
-  <p:extLst mod="1">
+  <p:extLst>
     <p:ext uri="{27BBF7A9-308A-43DC-89C8-2F10F3537804}">
       <p15:sldGuideLst xmlns:p15="http://schemas.microsoft.com/office/powerpoint/2012/main">
         <p15:guide id="3" pos="1381" userDrawn="1">
@@ -14665,497 +15946,6 @@
           <a:chExt cx="0" cy="0"/>
         </a:xfrm>
       </p:grpSpPr>
-      <p:pic>
-        <p:nvPicPr>
-          <p:cNvPr id="5" name="Picture 4" descr="A group of people sitting at a table&#10;&#10;Description generated with high confidence">
-            <a:extLst>
-              <a:ext uri="{FF2B5EF4-FFF2-40B4-BE49-F238E27FC236}">
-                <a16:creationId xmlns:a16="http://schemas.microsoft.com/office/drawing/2014/main" id="{D2306968-4303-2646-8585-0AC3A60408F7}"/>
-              </a:ext>
-            </a:extLst>
-          </p:cNvPr>
-          <p:cNvPicPr>
-            <a:picLocks noChangeAspect="1"/>
-          </p:cNvPicPr>
-          <p:nvPr/>
-        </p:nvPicPr>
-        <p:blipFill rotWithShape="1">
-          <a:blip r:embed="rId2" cstate="screen">
-            <a:extLst>
-              <a:ext uri="{28A0092B-C50C-407E-A947-70E740481C1C}">
-                <a14:useLocalDpi xmlns:a14="http://schemas.microsoft.com/office/drawing/2010/main"/>
-              </a:ext>
-            </a:extLst>
-          </a:blip>
-          <a:srcRect l="-2"/>
-          <a:stretch/>
-        </p:blipFill>
-        <p:spPr>
-          <a:xfrm flipH="1">
-            <a:off x="1943100" y="0"/>
-            <a:ext cx="10493376" cy="6994525"/>
-          </a:xfrm>
-          <a:prstGeom prst="rect">
-            <a:avLst/>
-          </a:prstGeom>
-        </p:spPr>
-      </p:pic>
-      <p:sp>
-        <p:nvSpPr>
-          <p:cNvPr id="6" name="Rectangle 5">
-            <a:extLst>
-              <a:ext uri="{FF2B5EF4-FFF2-40B4-BE49-F238E27FC236}">
-                <a16:creationId xmlns:a16="http://schemas.microsoft.com/office/drawing/2014/main" id="{983A2655-A41F-244A-9475-FD805B4A5770}"/>
-              </a:ext>
-            </a:extLst>
-          </p:cNvPr>
-          <p:cNvSpPr/>
-          <p:nvPr/>
-        </p:nvSpPr>
-        <p:spPr bwMode="auto">
-          <a:xfrm>
-            <a:off x="0" y="0"/>
-            <a:ext cx="10048876" cy="6994525"/>
-          </a:xfrm>
-          <a:prstGeom prst="rect">
-            <a:avLst/>
-          </a:prstGeom>
-          <a:gradFill flip="none" rotWithShape="1">
-            <a:gsLst>
-              <a:gs pos="0">
-                <a:schemeClr val="accent1">
-                  <a:lumMod val="5000"/>
-                  <a:lumOff val="95000"/>
-                  <a:alpha val="0"/>
-                </a:schemeClr>
-              </a:gs>
-              <a:gs pos="59000">
-                <a:schemeClr val="bg1"/>
-              </a:gs>
-              <a:gs pos="100000">
-                <a:schemeClr val="bg1"/>
-              </a:gs>
-            </a:gsLst>
-            <a:lin ang="10800000" scaled="0"/>
-            <a:tileRect/>
-          </a:gradFill>
-          <a:ln>
-            <a:noFill/>
-            <a:headEnd type="none" w="med" len="med"/>
-            <a:tailEnd type="none" w="med" len="med"/>
-          </a:ln>
-          <a:effectLst/>
-        </p:spPr>
-        <p:style>
-          <a:lnRef idx="1">
-            <a:schemeClr val="accent2"/>
-          </a:lnRef>
-          <a:fillRef idx="3">
-            <a:schemeClr val="accent2"/>
-          </a:fillRef>
-          <a:effectRef idx="2">
-            <a:schemeClr val="accent2"/>
-          </a:effectRef>
-          <a:fontRef idx="minor">
-            <a:schemeClr val="lt1"/>
-          </a:fontRef>
-        </p:style>
-        <p:txBody>
-          <a:bodyPr rot="0" spcFirstLastPara="0" vertOverflow="overflow" horzOverflow="overflow" vert="horz" wrap="square" lIns="182880" tIns="146304" rIns="182880" bIns="146304" numCol="1" spcCol="0" rtlCol="0" fromWordArt="0" anchor="t" anchorCtr="0" forceAA="0" compatLnSpc="1">
-            <a:prstTxWarp prst="textNoShape">
-              <a:avLst/>
-            </a:prstTxWarp>
-            <a:noAutofit/>
-          </a:bodyPr>
-          <a:lstStyle/>
-          <a:p>
-            <a:pPr algn="ctr" defTabSz="932472" fontAlgn="base">
-              <a:lnSpc>
-                <a:spcPct val="90000"/>
-              </a:lnSpc>
-              <a:spcBef>
-                <a:spcPct val="0"/>
-              </a:spcBef>
-              <a:spcAft>
-                <a:spcPct val="0"/>
-              </a:spcAft>
-            </a:pPr>
-            <a:endParaRPr lang="en-US" sz="2400" err="1">
-              <a:gradFill>
-                <a:gsLst>
-                  <a:gs pos="0">
-                    <a:srgbClr val="FFFFFF"/>
-                  </a:gs>
-                  <a:gs pos="100000">
-                    <a:srgbClr val="FFFFFF"/>
-                  </a:gs>
-                </a:gsLst>
-                <a:lin ang="5400000" scaled="0"/>
-              </a:gradFill>
-              <a:ea typeface="Segoe UI" pitchFamily="34" charset="0"/>
-              <a:cs typeface="Segoe UI" pitchFamily="34" charset="0"/>
-            </a:endParaRPr>
-          </a:p>
-        </p:txBody>
-      </p:sp>
-      <p:sp>
-        <p:nvSpPr>
-          <p:cNvPr id="4" name="Title 3">
-            <a:extLst>
-              <a:ext uri="{FF2B5EF4-FFF2-40B4-BE49-F238E27FC236}">
-                <a16:creationId xmlns:a16="http://schemas.microsoft.com/office/drawing/2014/main" id="{8047349F-0B8F-4D12-A39C-718C1C57DDFF}"/>
-              </a:ext>
-            </a:extLst>
-          </p:cNvPr>
-          <p:cNvSpPr>
-            <a:spLocks noGrp="1"/>
-          </p:cNvSpPr>
-          <p:nvPr>
-            <p:ph type="title"/>
-          </p:nvPr>
-        </p:nvSpPr>
-        <p:spPr>
-          <a:xfrm>
-            <a:off x="465138" y="1843063"/>
-            <a:ext cx="11533187" cy="411162"/>
-          </a:xfrm>
-        </p:spPr>
-        <p:txBody>
-          <a:bodyPr/>
-          <a:lstStyle/>
-          <a:p>
-            <a:r>
-              <a:rPr lang="en-US" dirty="0"/>
-              <a:t>Summary</a:t>
-            </a:r>
-          </a:p>
-        </p:txBody>
-      </p:sp>
-      <p:sp>
-        <p:nvSpPr>
-          <p:cNvPr id="10" name="Text Placeholder 6">
-            <a:extLst>
-              <a:ext uri="{FF2B5EF4-FFF2-40B4-BE49-F238E27FC236}">
-                <a16:creationId xmlns:a16="http://schemas.microsoft.com/office/drawing/2014/main" id="{61D48218-75E0-4C6C-BFA7-A1010BADED35}"/>
-              </a:ext>
-            </a:extLst>
-          </p:cNvPr>
-          <p:cNvSpPr txBox="1">
-            <a:spLocks/>
-          </p:cNvSpPr>
-          <p:nvPr/>
-        </p:nvSpPr>
-        <p:spPr>
-          <a:xfrm>
-            <a:off x="465139" y="2621905"/>
-            <a:ext cx="4234184" cy="1126462"/>
-          </a:xfrm>
-          <a:prstGeom prst="rect">
-            <a:avLst/>
-          </a:prstGeom>
-        </p:spPr>
-        <p:txBody>
-          <a:bodyPr vert="horz" wrap="square" lIns="0" tIns="0" rIns="0" bIns="0" rtlCol="0">
-            <a:spAutoFit/>
-          </a:bodyPr>
-          <a:lstStyle>
-            <a:lvl1pPr marL="0" marR="0" indent="0" algn="l" defTabSz="932742" rtl="0" eaLnBrk="1" fontAlgn="auto" latinLnBrk="0" hangingPunct="1">
-              <a:lnSpc>
-                <a:spcPts val="1800"/>
-              </a:lnSpc>
-              <a:spcBef>
-                <a:spcPts val="0"/>
-              </a:spcBef>
-              <a:spcAft>
-                <a:spcPts val="0"/>
-              </a:spcAft>
-              <a:buClrTx/>
-              <a:buSzPct val="90000"/>
-              <a:buFont typeface="Wingdings" panose="05000000000000000000" pitchFamily="2" charset="2"/>
-              <a:buNone/>
-              <a:tabLst/>
-              <a:defRPr sz="1400" b="1" kern="1200" spc="0" baseline="0">
-                <a:solidFill>
-                  <a:schemeClr val="tx1"/>
-                </a:solidFill>
-                <a:latin typeface="+mn-lt"/>
-                <a:ea typeface="+mn-ea"/>
-                <a:cs typeface="+mn-cs"/>
-              </a:defRPr>
-            </a:lvl1pPr>
-            <a:lvl2pPr marL="0" marR="0" indent="0" algn="l" defTabSz="932742" rtl="0" eaLnBrk="1" fontAlgn="auto" latinLnBrk="0" hangingPunct="1">
-              <a:lnSpc>
-                <a:spcPts val="1800"/>
-              </a:lnSpc>
-              <a:spcBef>
-                <a:spcPts val="0"/>
-              </a:spcBef>
-              <a:spcAft>
-                <a:spcPts val="0"/>
-              </a:spcAft>
-              <a:buClrTx/>
-              <a:buSzPct val="90000"/>
-              <a:buFont typeface="Wingdings" panose="05000000000000000000" pitchFamily="2" charset="2"/>
-              <a:buNone/>
-              <a:tabLst/>
-              <a:defRPr sz="1400" kern="1200" spc="0" baseline="0">
-                <a:solidFill>
-                  <a:schemeClr val="tx1"/>
-                </a:solidFill>
-                <a:latin typeface="+mn-lt"/>
-                <a:ea typeface="+mn-ea"/>
-                <a:cs typeface="+mn-cs"/>
-              </a:defRPr>
-            </a:lvl2pPr>
-            <a:lvl3pPr marL="457200" marR="0" indent="0" algn="l" defTabSz="932742" rtl="0" eaLnBrk="1" fontAlgn="auto" latinLnBrk="0" hangingPunct="1">
-              <a:lnSpc>
-                <a:spcPct val="90000"/>
-              </a:lnSpc>
-              <a:spcBef>
-                <a:spcPct val="20000"/>
-              </a:spcBef>
-              <a:spcAft>
-                <a:spcPts val="0"/>
-              </a:spcAft>
-              <a:buClrTx/>
-              <a:buSzPct val="90000"/>
-              <a:buFont typeface="Wingdings" panose="05000000000000000000" pitchFamily="2" charset="2"/>
-              <a:buNone/>
-              <a:tabLst/>
-              <a:defRPr sz="2400" kern="1200" spc="0" baseline="0">
-                <a:gradFill>
-                  <a:gsLst>
-                    <a:gs pos="1250">
-                      <a:schemeClr val="tx1"/>
-                    </a:gs>
-                    <a:gs pos="100000">
-                      <a:schemeClr val="tx1"/>
-                    </a:gs>
-                  </a:gsLst>
-                  <a:lin ang="5400000" scaled="0"/>
-                </a:gradFill>
-                <a:latin typeface="+mn-lt"/>
-                <a:ea typeface="+mn-ea"/>
-                <a:cs typeface="+mn-cs"/>
-              </a:defRPr>
-            </a:lvl3pPr>
-            <a:lvl4pPr marL="685800" marR="0" indent="0" algn="l" defTabSz="932742" rtl="0" eaLnBrk="1" fontAlgn="auto" latinLnBrk="0" hangingPunct="1">
-              <a:lnSpc>
-                <a:spcPct val="90000"/>
-              </a:lnSpc>
-              <a:spcBef>
-                <a:spcPct val="20000"/>
-              </a:spcBef>
-              <a:spcAft>
-                <a:spcPts val="0"/>
-              </a:spcAft>
-              <a:buClrTx/>
-              <a:buSzPct val="90000"/>
-              <a:buFont typeface="Wingdings" panose="05000000000000000000" pitchFamily="2" charset="2"/>
-              <a:buNone/>
-              <a:tabLst/>
-              <a:defRPr sz="2200" kern="1200" spc="0" baseline="0">
-                <a:gradFill>
-                  <a:gsLst>
-                    <a:gs pos="1250">
-                      <a:schemeClr val="tx1"/>
-                    </a:gs>
-                    <a:gs pos="100000">
-                      <a:schemeClr val="tx1"/>
-                    </a:gs>
-                  </a:gsLst>
-                  <a:lin ang="5400000" scaled="0"/>
-                </a:gradFill>
-                <a:latin typeface="+mn-lt"/>
-                <a:ea typeface="+mn-ea"/>
-                <a:cs typeface="+mn-cs"/>
-              </a:defRPr>
-            </a:lvl4pPr>
-            <a:lvl5pPr marL="914400" marR="0" indent="0" algn="l" defTabSz="932742" rtl="0" eaLnBrk="1" fontAlgn="auto" latinLnBrk="0" hangingPunct="1">
-              <a:lnSpc>
-                <a:spcPct val="90000"/>
-              </a:lnSpc>
-              <a:spcBef>
-                <a:spcPct val="20000"/>
-              </a:spcBef>
-              <a:spcAft>
-                <a:spcPts val="0"/>
-              </a:spcAft>
-              <a:buClrTx/>
-              <a:buSzPct val="90000"/>
-              <a:buFont typeface="Wingdings" panose="05000000000000000000" pitchFamily="2" charset="2"/>
-              <a:buNone/>
-              <a:tabLst/>
-              <a:defRPr sz="2200" kern="1200" spc="0" baseline="0">
-                <a:gradFill>
-                  <a:gsLst>
-                    <a:gs pos="1250">
-                      <a:schemeClr val="tx1"/>
-                    </a:gs>
-                    <a:gs pos="100000">
-                      <a:schemeClr val="tx1"/>
-                    </a:gs>
-                  </a:gsLst>
-                  <a:lin ang="5400000" scaled="0"/>
-                </a:gradFill>
-                <a:latin typeface="+mn-lt"/>
-                <a:ea typeface="+mn-ea"/>
-                <a:cs typeface="+mn-cs"/>
-              </a:defRPr>
-            </a:lvl5pPr>
-            <a:lvl6pPr marL="2565040" indent="-233186" algn="l" defTabSz="932742" rtl="0" eaLnBrk="1" latinLnBrk="0" hangingPunct="1">
-              <a:spcBef>
-                <a:spcPct val="20000"/>
-              </a:spcBef>
-              <a:buFont typeface="Arial" pitchFamily="34" charset="0"/>
-              <a:buChar char="•"/>
-              <a:defRPr sz="2000" kern="1200">
-                <a:solidFill>
-                  <a:schemeClr val="tx1"/>
-                </a:solidFill>
-                <a:latin typeface="+mn-lt"/>
-                <a:ea typeface="+mn-ea"/>
-                <a:cs typeface="+mn-cs"/>
-              </a:defRPr>
-            </a:lvl6pPr>
-            <a:lvl7pPr marL="3031412" indent="-233186" algn="l" defTabSz="932742" rtl="0" eaLnBrk="1" latinLnBrk="0" hangingPunct="1">
-              <a:spcBef>
-                <a:spcPct val="20000"/>
-              </a:spcBef>
-              <a:buFont typeface="Arial" pitchFamily="34" charset="0"/>
-              <a:buChar char="•"/>
-              <a:defRPr sz="2000" kern="1200">
-                <a:solidFill>
-                  <a:schemeClr val="tx1"/>
-                </a:solidFill>
-                <a:latin typeface="+mn-lt"/>
-                <a:ea typeface="+mn-ea"/>
-                <a:cs typeface="+mn-cs"/>
-              </a:defRPr>
-            </a:lvl7pPr>
-            <a:lvl8pPr marL="3497783" indent="-233186" algn="l" defTabSz="932742" rtl="0" eaLnBrk="1" latinLnBrk="0" hangingPunct="1">
-              <a:spcBef>
-                <a:spcPct val="20000"/>
-              </a:spcBef>
-              <a:buFont typeface="Arial" pitchFamily="34" charset="0"/>
-              <a:buChar char="•"/>
-              <a:defRPr sz="2000" kern="1200">
-                <a:solidFill>
-                  <a:schemeClr val="tx1"/>
-                </a:solidFill>
-                <a:latin typeface="+mn-lt"/>
-                <a:ea typeface="+mn-ea"/>
-                <a:cs typeface="+mn-cs"/>
-              </a:defRPr>
-            </a:lvl8pPr>
-            <a:lvl9pPr marL="3964155" indent="-233186" algn="l" defTabSz="932742" rtl="0" eaLnBrk="1" latinLnBrk="0" hangingPunct="1">
-              <a:spcBef>
-                <a:spcPct val="20000"/>
-              </a:spcBef>
-              <a:buFont typeface="Arial" pitchFamily="34" charset="0"/>
-              <a:buChar char="•"/>
-              <a:defRPr sz="2000" kern="1200">
-                <a:solidFill>
-                  <a:schemeClr val="tx1"/>
-                </a:solidFill>
-                <a:latin typeface="+mn-lt"/>
-                <a:ea typeface="+mn-ea"/>
-                <a:cs typeface="+mn-cs"/>
-              </a:defRPr>
-            </a:lvl9pPr>
-          </a:lstStyle>
-          <a:p>
-            <a:pPr lvl="0">
-              <a:lnSpc>
-                <a:spcPct val="90000"/>
-              </a:lnSpc>
-              <a:spcBef>
-                <a:spcPts val="1800"/>
-              </a:spcBef>
-            </a:pPr>
-            <a:r>
-              <a:rPr lang="en-US" sz="1600" b="0" dirty="0">
-                <a:solidFill>
-                  <a:srgbClr val="2F2F2F"/>
-                </a:solidFill>
-                <a:latin typeface="Segoe UI Semibold"/>
-              </a:rPr>
-              <a:t>Overview</a:t>
-            </a:r>
-          </a:p>
-          <a:p>
-            <a:pPr lvl="0">
-              <a:lnSpc>
-                <a:spcPct val="90000"/>
-              </a:lnSpc>
-              <a:spcBef>
-                <a:spcPts val="1800"/>
-              </a:spcBef>
-            </a:pPr>
-            <a:r>
-              <a:rPr lang="en-US" sz="1600" b="0" dirty="0">
-                <a:solidFill>
-                  <a:srgbClr val="2F2F2F"/>
-                </a:solidFill>
-                <a:latin typeface="Segoe UI Semibold"/>
-              </a:rPr>
-              <a:t>Debugging &amp; Testing</a:t>
-            </a:r>
-          </a:p>
-          <a:p>
-            <a:pPr lvl="0">
-              <a:lnSpc>
-                <a:spcPct val="90000"/>
-              </a:lnSpc>
-              <a:spcBef>
-                <a:spcPts val="1800"/>
-              </a:spcBef>
-            </a:pPr>
-            <a:r>
-              <a:rPr lang="en-US" sz="1600" b="0" dirty="0">
-                <a:solidFill>
-                  <a:srgbClr val="2F2F2F"/>
-                </a:solidFill>
-                <a:latin typeface="Segoe UI Semibold"/>
-              </a:rPr>
-              <a:t>Deploying</a:t>
-            </a:r>
-          </a:p>
-        </p:txBody>
-      </p:sp>
-    </p:spTree>
-    <p:extLst>
-      <p:ext uri="{BB962C8B-B14F-4D97-AF65-F5344CB8AC3E}">
-        <p14:creationId xmlns:p14="http://schemas.microsoft.com/office/powerpoint/2010/main" val="3666565136"/>
-      </p:ext>
-    </p:extLst>
-  </p:cSld>
-  <p:clrMapOvr>
-    <a:masterClrMapping/>
-  </p:clrMapOvr>
-  <p:transition>
-    <p:fade/>
-  </p:transition>
-</p:sld>
-</file>
-
-<file path=ppt/slides/slide11.xml><?xml version="1.0" encoding="utf-8"?>
-<p:sld xmlns:a="http://schemas.openxmlformats.org/drawingml/2006/main" xmlns:r="http://schemas.openxmlformats.org/officeDocument/2006/relationships" xmlns:p="http://schemas.openxmlformats.org/presentationml/2006/main">
-  <p:cSld>
-    <p:spTree>
-      <p:nvGrpSpPr>
-        <p:cNvPr id="1" name=""/>
-        <p:cNvGrpSpPr/>
-        <p:nvPr/>
-      </p:nvGrpSpPr>
-      <p:grpSpPr>
-        <a:xfrm>
-          <a:off x="0" y="0"/>
-          <a:ext cx="0" cy="0"/>
-          <a:chOff x="0" y="0"/>
-          <a:chExt cx="0" cy="0"/>
-        </a:xfrm>
-      </p:grpSpPr>
       <p:sp>
         <p:nvSpPr>
           <p:cNvPr id="4" name="Rectangle 3">
@@ -15469,7 +16259,7 @@
 </p:sld>
 </file>
 
-<file path=ppt/slides/slide12.xml><?xml version="1.0" encoding="utf-8"?>
+<file path=ppt/slides/slide11.xml><?xml version="1.0" encoding="utf-8"?>
 <p:sld xmlns:a="http://schemas.openxmlformats.org/drawingml/2006/main" xmlns:r="http://schemas.openxmlformats.org/officeDocument/2006/relationships" xmlns:p="http://schemas.openxmlformats.org/presentationml/2006/main">
   <p:cSld>
     <p:spTree>
@@ -15533,7 +16323,7 @@
 </p:sld>
 </file>
 
-<file path=ppt/slides/slide13.xml><?xml version="1.0" encoding="utf-8"?>
+<file path=ppt/slides/slide12.xml><?xml version="1.0" encoding="utf-8"?>
 <p:sld xmlns:a="http://schemas.openxmlformats.org/drawingml/2006/main" xmlns:r="http://schemas.openxmlformats.org/officeDocument/2006/relationships" xmlns:p="http://schemas.openxmlformats.org/presentationml/2006/main">
   <p:cSld>
     <p:spTree>
@@ -16558,7 +17348,7 @@
         <p:spPr>
           <a:xfrm>
             <a:off x="274638" y="1212850"/>
-            <a:ext cx="11887200" cy="4259628"/>
+            <a:ext cx="11887200" cy="3360920"/>
           </a:xfrm>
         </p:spPr>
         <p:txBody>
@@ -16571,6 +17361,9 @@
             </a:r>
           </a:p>
           <a:p>
+            <a:endParaRPr lang="en-US" dirty="0"/>
+          </a:p>
+          <a:p>
             <a:r>
               <a:rPr lang="en-US" dirty="0"/>
               <a:t>Can still build and host extension project locally while testing in a remote SharePoint site</a:t>
@@ -16589,6 +17382,9 @@
               <a:rPr lang="en-US" dirty="0"/>
               <a:t>web part development, testing &amp; debugging</a:t>
             </a:r>
+          </a:p>
+          <a:p>
+            <a:endParaRPr lang="en-US" dirty="0"/>
           </a:p>
           <a:p>
             <a:r>
@@ -16714,7 +17510,7 @@
             </a:r>
             <a:r>
               <a:rPr lang="en-US" dirty="0">
-                <a:hlinkClick r:id="rId2"/>
+                <a:hlinkClick r:id="rId3"/>
               </a:rPr>
               <a:t>https://localhost</a:t>
             </a:r>
@@ -16804,136 +17600,7 @@
       </p:grpSpPr>
       <p:sp>
         <p:nvSpPr>
-          <p:cNvPr id="2" name="Text Placeholder 1">
-            <a:extLst>
-              <a:ext uri="{FF2B5EF4-FFF2-40B4-BE49-F238E27FC236}">
-                <a16:creationId xmlns:a16="http://schemas.microsoft.com/office/drawing/2014/main" id="{7C877E54-8532-BC4D-BE22-ED396111B657}"/>
-              </a:ext>
-            </a:extLst>
-          </p:cNvPr>
-          <p:cNvSpPr>
-            <a:spLocks noGrp="1"/>
-          </p:cNvSpPr>
-          <p:nvPr>
-            <p:ph type="body" sz="quarter" idx="10"/>
-          </p:nvPr>
-        </p:nvSpPr>
-        <p:spPr>
-          <a:xfrm>
-            <a:off x="464400" y="1212850"/>
-            <a:ext cx="11574000" cy="3970318"/>
-          </a:xfrm>
-        </p:spPr>
-        <p:txBody>
-          <a:bodyPr/>
-          <a:lstStyle/>
-          <a:p>
-            <a:r>
-              <a:rPr lang="en-US" dirty="0"/>
-              <a:t>Extension deployment utilizes existing Feature framework</a:t>
-            </a:r>
-          </a:p>
-          <a:p>
-            <a:pPr lvl="1"/>
-            <a:r>
-              <a:rPr lang="en-US" dirty="0"/>
-              <a:t>&lt;Field&gt;</a:t>
-            </a:r>
-          </a:p>
-          <a:p>
-            <a:endParaRPr lang="en-US" dirty="0"/>
-          </a:p>
-          <a:p>
-            <a:r>
-              <a:rPr lang="en-US" dirty="0"/>
-              <a:t>Can be provisioned as a new site column</a:t>
-            </a:r>
-          </a:p>
-          <a:p>
-            <a:pPr lvl="1"/>
-            <a:endParaRPr lang="en-US" dirty="0"/>
-          </a:p>
-          <a:p>
-            <a:r>
-              <a:rPr lang="en-US" dirty="0"/>
-              <a:t>Deployment similar to web parts</a:t>
-            </a:r>
-          </a:p>
-          <a:p>
-            <a:pPr lvl="1"/>
-            <a:r>
-              <a:rPr lang="en-US" dirty="0"/>
-              <a:t>Upload SharePoint Package to tenant | site collection app catalog</a:t>
-            </a:r>
-          </a:p>
-          <a:p>
-            <a:pPr lvl="1"/>
-            <a:r>
-              <a:rPr lang="en-US" dirty="0"/>
-              <a:t>Install app to add site column</a:t>
-            </a:r>
-          </a:p>
-          <a:p>
-            <a:pPr lvl="1"/>
-            <a:endParaRPr lang="en-US" dirty="0"/>
-          </a:p>
-          <a:p>
-            <a:r>
-              <a:rPr lang="en-US" dirty="0"/>
-              <a:t>Can be also associated to existing site columns or fields in the SharePoint sites</a:t>
-            </a:r>
-          </a:p>
-          <a:p>
-            <a:pPr lvl="1"/>
-            <a:r>
-              <a:rPr lang="en-US" dirty="0"/>
-              <a:t>Set </a:t>
-            </a:r>
-            <a:r>
-              <a:rPr lang="en-US" dirty="0" err="1">
-                <a:latin typeface="Courier New" panose="02070309020205020404" pitchFamily="49" charset="0"/>
-                <a:cs typeface="Courier New" panose="02070309020205020404" pitchFamily="49" charset="0"/>
-              </a:rPr>
-              <a:t>ClientSideComponentId</a:t>
-            </a:r>
-            <a:r>
-              <a:rPr lang="en-US" dirty="0"/>
-              <a:t> and </a:t>
-            </a:r>
-            <a:r>
-              <a:rPr lang="en-US" dirty="0" err="1">
-                <a:latin typeface="Courier New" panose="02070309020205020404" pitchFamily="49" charset="0"/>
-                <a:cs typeface="Courier New" panose="02070309020205020404" pitchFamily="49" charset="0"/>
-              </a:rPr>
-              <a:t>ClientSideComponentProperties</a:t>
-            </a:r>
-            <a:r>
-              <a:rPr lang="en-US" dirty="0"/>
-              <a:t> properties in </a:t>
-            </a:r>
-            <a:r>
-              <a:rPr lang="en-US" dirty="0">
-                <a:latin typeface="Courier New" panose="02070309020205020404" pitchFamily="49" charset="0"/>
-                <a:cs typeface="Courier New" panose="02070309020205020404" pitchFamily="49" charset="0"/>
-              </a:rPr>
-              <a:t>Field</a:t>
-            </a:r>
-            <a:r>
-              <a:rPr lang="en-US" dirty="0"/>
-              <a:t> object</a:t>
-            </a:r>
-          </a:p>
-        </p:txBody>
-      </p:sp>
-      <p:sp>
-        <p:nvSpPr>
-          <p:cNvPr id="3" name="Title 2">
-            <a:extLst>
-              <a:ext uri="{FF2B5EF4-FFF2-40B4-BE49-F238E27FC236}">
-                <a16:creationId xmlns:a16="http://schemas.microsoft.com/office/drawing/2014/main" id="{F21B06D3-DD63-D04D-8257-64155C50E5FA}"/>
-              </a:ext>
-            </a:extLst>
-          </p:cNvPr>
+          <p:cNvPr id="2" name="Title 1"/>
           <p:cNvSpPr>
             <a:spLocks noGrp="1"/>
           </p:cNvSpPr>
@@ -16948,15 +17615,23 @@
           <a:p>
             <a:r>
               <a:rPr lang="en-US" dirty="0"/>
-              <a:t>Deployment</a:t>
-            </a:r>
+              <a:t>Demo</a:t>
+            </a:r>
+            <a:br>
+              <a:rPr lang="en-US" dirty="0"/>
+            </a:br>
+            <a:r>
+              <a:rPr lang="en-US" sz="2400" dirty="0"/>
+              <a:t>Creating SharePoint Framework Field Customizers</a:t>
+            </a:r>
+            <a:endParaRPr lang="en-US" dirty="0"/>
           </a:p>
         </p:txBody>
       </p:sp>
     </p:spTree>
     <p:extLst>
       <p:ext uri="{BB962C8B-B14F-4D97-AF65-F5344CB8AC3E}">
-        <p14:creationId xmlns:p14="http://schemas.microsoft.com/office/powerpoint/2010/main" val="4230620971"/>
+        <p14:creationId xmlns:p14="http://schemas.microsoft.com/office/powerpoint/2010/main" val="1965463314"/>
       </p:ext>
     </p:extLst>
   </p:cSld>
@@ -16986,9 +17661,148 @@
           <a:chExt cx="0" cy="0"/>
         </a:xfrm>
       </p:grpSpPr>
-      <p:sp>
-        <p:nvSpPr>
-          <p:cNvPr id="2" name="Title 1"/>
+      <p:pic>
+        <p:nvPicPr>
+          <p:cNvPr id="5" name="Picture 4" descr="A group of people sitting at a table&#10;&#10;Description generated with high confidence">
+            <a:extLst>
+              <a:ext uri="{FF2B5EF4-FFF2-40B4-BE49-F238E27FC236}">
+                <a16:creationId xmlns:a16="http://schemas.microsoft.com/office/drawing/2014/main" id="{D2306968-4303-2646-8585-0AC3A60408F7}"/>
+              </a:ext>
+            </a:extLst>
+          </p:cNvPr>
+          <p:cNvPicPr>
+            <a:picLocks noChangeAspect="1"/>
+          </p:cNvPicPr>
+          <p:nvPr/>
+        </p:nvPicPr>
+        <p:blipFill rotWithShape="1">
+          <a:blip r:embed="rId2" cstate="screen">
+            <a:extLst>
+              <a:ext uri="{28A0092B-C50C-407E-A947-70E740481C1C}">
+                <a14:useLocalDpi xmlns:a14="http://schemas.microsoft.com/office/drawing/2010/main"/>
+              </a:ext>
+            </a:extLst>
+          </a:blip>
+          <a:srcRect l="-2"/>
+          <a:stretch/>
+        </p:blipFill>
+        <p:spPr>
+          <a:xfrm flipH="1">
+            <a:off x="1943100" y="0"/>
+            <a:ext cx="10493376" cy="6994525"/>
+          </a:xfrm>
+          <a:prstGeom prst="rect">
+            <a:avLst/>
+          </a:prstGeom>
+        </p:spPr>
+      </p:pic>
+      <p:sp>
+        <p:nvSpPr>
+          <p:cNvPr id="6" name="Rectangle 5">
+            <a:extLst>
+              <a:ext uri="{FF2B5EF4-FFF2-40B4-BE49-F238E27FC236}">
+                <a16:creationId xmlns:a16="http://schemas.microsoft.com/office/drawing/2014/main" id="{983A2655-A41F-244A-9475-FD805B4A5770}"/>
+              </a:ext>
+            </a:extLst>
+          </p:cNvPr>
+          <p:cNvSpPr/>
+          <p:nvPr/>
+        </p:nvSpPr>
+        <p:spPr bwMode="auto">
+          <a:xfrm>
+            <a:off x="0" y="0"/>
+            <a:ext cx="10048876" cy="6994525"/>
+          </a:xfrm>
+          <a:prstGeom prst="rect">
+            <a:avLst/>
+          </a:prstGeom>
+          <a:gradFill flip="none" rotWithShape="1">
+            <a:gsLst>
+              <a:gs pos="0">
+                <a:schemeClr val="accent1">
+                  <a:lumMod val="5000"/>
+                  <a:lumOff val="95000"/>
+                  <a:alpha val="0"/>
+                </a:schemeClr>
+              </a:gs>
+              <a:gs pos="59000">
+                <a:schemeClr val="bg1"/>
+              </a:gs>
+              <a:gs pos="100000">
+                <a:schemeClr val="bg1"/>
+              </a:gs>
+            </a:gsLst>
+            <a:lin ang="10800000" scaled="0"/>
+            <a:tileRect/>
+          </a:gradFill>
+          <a:ln>
+            <a:noFill/>
+            <a:headEnd type="none" w="med" len="med"/>
+            <a:tailEnd type="none" w="med" len="med"/>
+          </a:ln>
+          <a:effectLst/>
+        </p:spPr>
+        <p:style>
+          <a:lnRef idx="1">
+            <a:schemeClr val="accent2"/>
+          </a:lnRef>
+          <a:fillRef idx="3">
+            <a:schemeClr val="accent2"/>
+          </a:fillRef>
+          <a:effectRef idx="2">
+            <a:schemeClr val="accent2"/>
+          </a:effectRef>
+          <a:fontRef idx="minor">
+            <a:schemeClr val="lt1"/>
+          </a:fontRef>
+        </p:style>
+        <p:txBody>
+          <a:bodyPr rot="0" spcFirstLastPara="0" vertOverflow="overflow" horzOverflow="overflow" vert="horz" wrap="square" lIns="182880" tIns="146304" rIns="182880" bIns="146304" numCol="1" spcCol="0" rtlCol="0" fromWordArt="0" anchor="t" anchorCtr="0" forceAA="0" compatLnSpc="1">
+            <a:prstTxWarp prst="textNoShape">
+              <a:avLst/>
+            </a:prstTxWarp>
+            <a:noAutofit/>
+          </a:bodyPr>
+          <a:lstStyle/>
+          <a:p>
+            <a:pPr algn="ctr" defTabSz="932472" fontAlgn="base">
+              <a:lnSpc>
+                <a:spcPct val="90000"/>
+              </a:lnSpc>
+              <a:spcBef>
+                <a:spcPct val="0"/>
+              </a:spcBef>
+              <a:spcAft>
+                <a:spcPct val="0"/>
+              </a:spcAft>
+            </a:pPr>
+            <a:endParaRPr lang="en-US" sz="2400" err="1">
+              <a:gradFill>
+                <a:gsLst>
+                  <a:gs pos="0">
+                    <a:srgbClr val="FFFFFF"/>
+                  </a:gs>
+                  <a:gs pos="100000">
+                    <a:srgbClr val="FFFFFF"/>
+                  </a:gs>
+                </a:gsLst>
+                <a:lin ang="5400000" scaled="0"/>
+              </a:gradFill>
+              <a:ea typeface="Segoe UI" pitchFamily="34" charset="0"/>
+              <a:cs typeface="Segoe UI" pitchFamily="34" charset="0"/>
+            </a:endParaRPr>
+          </a:p>
+        </p:txBody>
+      </p:sp>
+      <p:sp>
+        <p:nvSpPr>
+          <p:cNvPr id="4" name="Title 3">
+            <a:extLst>
+              <a:ext uri="{FF2B5EF4-FFF2-40B4-BE49-F238E27FC236}">
+                <a16:creationId xmlns:a16="http://schemas.microsoft.com/office/drawing/2014/main" id="{8047349F-0B8F-4D12-A39C-718C1C57DDFF}"/>
+              </a:ext>
+            </a:extLst>
+          </p:cNvPr>
           <p:cNvSpPr>
             <a:spLocks noGrp="1"/>
           </p:cNvSpPr>
@@ -16996,30 +17810,319 @@
             <p:ph type="title"/>
           </p:nvPr>
         </p:nvSpPr>
-        <p:spPr/>
+        <p:spPr>
+          <a:xfrm>
+            <a:off x="465138" y="1843063"/>
+            <a:ext cx="11533187" cy="411162"/>
+          </a:xfrm>
+        </p:spPr>
         <p:txBody>
           <a:bodyPr/>
           <a:lstStyle/>
           <a:p>
             <a:r>
               <a:rPr lang="en-US" dirty="0"/>
-              <a:t>Demo</a:t>
-            </a:r>
-            <a:br>
-              <a:rPr lang="en-US" dirty="0"/>
-            </a:br>
-            <a:r>
-              <a:rPr lang="en-US" sz="2400" dirty="0"/>
-              <a:t>Creating SharePoint Framework Field Customizers</a:t>
-            </a:r>
-            <a:endParaRPr lang="en-US" dirty="0"/>
+              <a:t>Summary</a:t>
+            </a:r>
+          </a:p>
+        </p:txBody>
+      </p:sp>
+      <p:sp>
+        <p:nvSpPr>
+          <p:cNvPr id="10" name="Text Placeholder 6">
+            <a:extLst>
+              <a:ext uri="{FF2B5EF4-FFF2-40B4-BE49-F238E27FC236}">
+                <a16:creationId xmlns:a16="http://schemas.microsoft.com/office/drawing/2014/main" id="{61D48218-75E0-4C6C-BFA7-A1010BADED35}"/>
+              </a:ext>
+            </a:extLst>
+          </p:cNvPr>
+          <p:cNvSpPr txBox="1">
+            <a:spLocks/>
+          </p:cNvSpPr>
+          <p:nvPr/>
+        </p:nvSpPr>
+        <p:spPr>
+          <a:xfrm>
+            <a:off x="465139" y="2621905"/>
+            <a:ext cx="4234184" cy="1126462"/>
+          </a:xfrm>
+          <a:prstGeom prst="rect">
+            <a:avLst/>
+          </a:prstGeom>
+        </p:spPr>
+        <p:txBody>
+          <a:bodyPr vert="horz" wrap="square" lIns="0" tIns="0" rIns="0" bIns="0" rtlCol="0">
+            <a:spAutoFit/>
+          </a:bodyPr>
+          <a:lstStyle>
+            <a:lvl1pPr marL="0" marR="0" indent="0" algn="l" defTabSz="932742" rtl="0" eaLnBrk="1" fontAlgn="auto" latinLnBrk="0" hangingPunct="1">
+              <a:lnSpc>
+                <a:spcPts val="1800"/>
+              </a:lnSpc>
+              <a:spcBef>
+                <a:spcPts val="0"/>
+              </a:spcBef>
+              <a:spcAft>
+                <a:spcPts val="0"/>
+              </a:spcAft>
+              <a:buClrTx/>
+              <a:buSzPct val="90000"/>
+              <a:buFont typeface="Wingdings" panose="05000000000000000000" pitchFamily="2" charset="2"/>
+              <a:buNone/>
+              <a:tabLst/>
+              <a:defRPr sz="1400" b="1" kern="1200" spc="0" baseline="0">
+                <a:solidFill>
+                  <a:schemeClr val="tx1"/>
+                </a:solidFill>
+                <a:latin typeface="+mn-lt"/>
+                <a:ea typeface="+mn-ea"/>
+                <a:cs typeface="+mn-cs"/>
+              </a:defRPr>
+            </a:lvl1pPr>
+            <a:lvl2pPr marL="0" marR="0" indent="0" algn="l" defTabSz="932742" rtl="0" eaLnBrk="1" fontAlgn="auto" latinLnBrk="0" hangingPunct="1">
+              <a:lnSpc>
+                <a:spcPts val="1800"/>
+              </a:lnSpc>
+              <a:spcBef>
+                <a:spcPts val="0"/>
+              </a:spcBef>
+              <a:spcAft>
+                <a:spcPts val="0"/>
+              </a:spcAft>
+              <a:buClrTx/>
+              <a:buSzPct val="90000"/>
+              <a:buFont typeface="Wingdings" panose="05000000000000000000" pitchFamily="2" charset="2"/>
+              <a:buNone/>
+              <a:tabLst/>
+              <a:defRPr sz="1400" kern="1200" spc="0" baseline="0">
+                <a:solidFill>
+                  <a:schemeClr val="tx1"/>
+                </a:solidFill>
+                <a:latin typeface="+mn-lt"/>
+                <a:ea typeface="+mn-ea"/>
+                <a:cs typeface="+mn-cs"/>
+              </a:defRPr>
+            </a:lvl2pPr>
+            <a:lvl3pPr marL="457200" marR="0" indent="0" algn="l" defTabSz="932742" rtl="0" eaLnBrk="1" fontAlgn="auto" latinLnBrk="0" hangingPunct="1">
+              <a:lnSpc>
+                <a:spcPct val="90000"/>
+              </a:lnSpc>
+              <a:spcBef>
+                <a:spcPct val="20000"/>
+              </a:spcBef>
+              <a:spcAft>
+                <a:spcPts val="0"/>
+              </a:spcAft>
+              <a:buClrTx/>
+              <a:buSzPct val="90000"/>
+              <a:buFont typeface="Wingdings" panose="05000000000000000000" pitchFamily="2" charset="2"/>
+              <a:buNone/>
+              <a:tabLst/>
+              <a:defRPr sz="2400" kern="1200" spc="0" baseline="0">
+                <a:gradFill>
+                  <a:gsLst>
+                    <a:gs pos="1250">
+                      <a:schemeClr val="tx1"/>
+                    </a:gs>
+                    <a:gs pos="100000">
+                      <a:schemeClr val="tx1"/>
+                    </a:gs>
+                  </a:gsLst>
+                  <a:lin ang="5400000" scaled="0"/>
+                </a:gradFill>
+                <a:latin typeface="+mn-lt"/>
+                <a:ea typeface="+mn-ea"/>
+                <a:cs typeface="+mn-cs"/>
+              </a:defRPr>
+            </a:lvl3pPr>
+            <a:lvl4pPr marL="685800" marR="0" indent="0" algn="l" defTabSz="932742" rtl="0" eaLnBrk="1" fontAlgn="auto" latinLnBrk="0" hangingPunct="1">
+              <a:lnSpc>
+                <a:spcPct val="90000"/>
+              </a:lnSpc>
+              <a:spcBef>
+                <a:spcPct val="20000"/>
+              </a:spcBef>
+              <a:spcAft>
+                <a:spcPts val="0"/>
+              </a:spcAft>
+              <a:buClrTx/>
+              <a:buSzPct val="90000"/>
+              <a:buFont typeface="Wingdings" panose="05000000000000000000" pitchFamily="2" charset="2"/>
+              <a:buNone/>
+              <a:tabLst/>
+              <a:defRPr sz="2200" kern="1200" spc="0" baseline="0">
+                <a:gradFill>
+                  <a:gsLst>
+                    <a:gs pos="1250">
+                      <a:schemeClr val="tx1"/>
+                    </a:gs>
+                    <a:gs pos="100000">
+                      <a:schemeClr val="tx1"/>
+                    </a:gs>
+                  </a:gsLst>
+                  <a:lin ang="5400000" scaled="0"/>
+                </a:gradFill>
+                <a:latin typeface="+mn-lt"/>
+                <a:ea typeface="+mn-ea"/>
+                <a:cs typeface="+mn-cs"/>
+              </a:defRPr>
+            </a:lvl4pPr>
+            <a:lvl5pPr marL="914400" marR="0" indent="0" algn="l" defTabSz="932742" rtl="0" eaLnBrk="1" fontAlgn="auto" latinLnBrk="0" hangingPunct="1">
+              <a:lnSpc>
+                <a:spcPct val="90000"/>
+              </a:lnSpc>
+              <a:spcBef>
+                <a:spcPct val="20000"/>
+              </a:spcBef>
+              <a:spcAft>
+                <a:spcPts val="0"/>
+              </a:spcAft>
+              <a:buClrTx/>
+              <a:buSzPct val="90000"/>
+              <a:buFont typeface="Wingdings" panose="05000000000000000000" pitchFamily="2" charset="2"/>
+              <a:buNone/>
+              <a:tabLst/>
+              <a:defRPr sz="2200" kern="1200" spc="0" baseline="0">
+                <a:gradFill>
+                  <a:gsLst>
+                    <a:gs pos="1250">
+                      <a:schemeClr val="tx1"/>
+                    </a:gs>
+                    <a:gs pos="100000">
+                      <a:schemeClr val="tx1"/>
+                    </a:gs>
+                  </a:gsLst>
+                  <a:lin ang="5400000" scaled="0"/>
+                </a:gradFill>
+                <a:latin typeface="+mn-lt"/>
+                <a:ea typeface="+mn-ea"/>
+                <a:cs typeface="+mn-cs"/>
+              </a:defRPr>
+            </a:lvl5pPr>
+            <a:lvl6pPr marL="2565040" indent="-233186" algn="l" defTabSz="932742" rtl="0" eaLnBrk="1" latinLnBrk="0" hangingPunct="1">
+              <a:spcBef>
+                <a:spcPct val="20000"/>
+              </a:spcBef>
+              <a:buFont typeface="Arial" pitchFamily="34" charset="0"/>
+              <a:buChar char="•"/>
+              <a:defRPr sz="2000" kern="1200">
+                <a:solidFill>
+                  <a:schemeClr val="tx1"/>
+                </a:solidFill>
+                <a:latin typeface="+mn-lt"/>
+                <a:ea typeface="+mn-ea"/>
+                <a:cs typeface="+mn-cs"/>
+              </a:defRPr>
+            </a:lvl6pPr>
+            <a:lvl7pPr marL="3031412" indent="-233186" algn="l" defTabSz="932742" rtl="0" eaLnBrk="1" latinLnBrk="0" hangingPunct="1">
+              <a:spcBef>
+                <a:spcPct val="20000"/>
+              </a:spcBef>
+              <a:buFont typeface="Arial" pitchFamily="34" charset="0"/>
+              <a:buChar char="•"/>
+              <a:defRPr sz="2000" kern="1200">
+                <a:solidFill>
+                  <a:schemeClr val="tx1"/>
+                </a:solidFill>
+                <a:latin typeface="+mn-lt"/>
+                <a:ea typeface="+mn-ea"/>
+                <a:cs typeface="+mn-cs"/>
+              </a:defRPr>
+            </a:lvl7pPr>
+            <a:lvl8pPr marL="3497783" indent="-233186" algn="l" defTabSz="932742" rtl="0" eaLnBrk="1" latinLnBrk="0" hangingPunct="1">
+              <a:spcBef>
+                <a:spcPct val="20000"/>
+              </a:spcBef>
+              <a:buFont typeface="Arial" pitchFamily="34" charset="0"/>
+              <a:buChar char="•"/>
+              <a:defRPr sz="2000" kern="1200">
+                <a:solidFill>
+                  <a:schemeClr val="tx1"/>
+                </a:solidFill>
+                <a:latin typeface="+mn-lt"/>
+                <a:ea typeface="+mn-ea"/>
+                <a:cs typeface="+mn-cs"/>
+              </a:defRPr>
+            </a:lvl8pPr>
+            <a:lvl9pPr marL="3964155" indent="-233186" algn="l" defTabSz="932742" rtl="0" eaLnBrk="1" latinLnBrk="0" hangingPunct="1">
+              <a:spcBef>
+                <a:spcPct val="20000"/>
+              </a:spcBef>
+              <a:buFont typeface="Arial" pitchFamily="34" charset="0"/>
+              <a:buChar char="•"/>
+              <a:defRPr sz="2000" kern="1200">
+                <a:solidFill>
+                  <a:schemeClr val="tx1"/>
+                </a:solidFill>
+                <a:latin typeface="+mn-lt"/>
+                <a:ea typeface="+mn-ea"/>
+                <a:cs typeface="+mn-cs"/>
+              </a:defRPr>
+            </a:lvl9pPr>
+          </a:lstStyle>
+          <a:p>
+            <a:pPr lvl="0">
+              <a:lnSpc>
+                <a:spcPct val="90000"/>
+              </a:lnSpc>
+              <a:spcBef>
+                <a:spcPts val="1800"/>
+              </a:spcBef>
+            </a:pPr>
+            <a:r>
+              <a:rPr lang="en-US" sz="1600" b="0" dirty="0">
+                <a:solidFill>
+                  <a:srgbClr val="2F2F2F"/>
+                </a:solidFill>
+                <a:latin typeface="Segoe UI Semibold"/>
+              </a:rPr>
+              <a:t>Overview</a:t>
+            </a:r>
+          </a:p>
+          <a:p>
+            <a:pPr lvl="0">
+              <a:lnSpc>
+                <a:spcPct val="90000"/>
+              </a:lnSpc>
+              <a:spcBef>
+                <a:spcPts val="1800"/>
+              </a:spcBef>
+            </a:pPr>
+            <a:r>
+              <a:rPr lang="en-US" sz="1600" b="0" dirty="0">
+                <a:solidFill>
+                  <a:srgbClr val="2F2F2F"/>
+                </a:solidFill>
+                <a:latin typeface="Segoe UI Semibold"/>
+              </a:rPr>
+              <a:t>Debugging &amp; Testing</a:t>
+            </a:r>
+          </a:p>
+          <a:p>
+            <a:pPr lvl="0">
+              <a:lnSpc>
+                <a:spcPct val="90000"/>
+              </a:lnSpc>
+              <a:spcBef>
+                <a:spcPts val="1800"/>
+              </a:spcBef>
+            </a:pPr>
+            <a:r>
+              <a:rPr lang="en-US" sz="1600" b="0" dirty="0">
+                <a:solidFill>
+                  <a:srgbClr val="2F2F2F"/>
+                </a:solidFill>
+                <a:latin typeface="Segoe UI Semibold"/>
+              </a:rPr>
+              <a:t>Deploying</a:t>
+            </a:r>
           </a:p>
         </p:txBody>
       </p:sp>
     </p:spTree>
     <p:extLst>
       <p:ext uri="{BB962C8B-B14F-4D97-AF65-F5344CB8AC3E}">
-        <p14:creationId xmlns:p14="http://schemas.microsoft.com/office/powerpoint/2010/main" val="1965463314"/>
+        <p14:creationId xmlns:p14="http://schemas.microsoft.com/office/powerpoint/2010/main" val="3666565136"/>
       </p:ext>
     </p:extLst>
   </p:cSld>

--- a/02 fieldcustomizer.pptx
+++ b/02 fieldcustomizer.pptx
@@ -270,7 +270,7 @@
               <a:rPr lang="en-US" smtClean="0">
                 <a:latin typeface="Segoe UI" pitchFamily="34" charset="0"/>
               </a:rPr>
-              <a:t>3/2/20 6:00 AM</a:t>
+              <a:t>8/28/2020 9:59 AM</a:t>
             </a:fld>
             <a:endParaRPr lang="en-US" dirty="0">
               <a:latin typeface="Segoe UI" pitchFamily="34" charset="0"/>
@@ -567,7 +567,7 @@
           <a:p>
             <a:fld id="{D18B56EA-E28F-4F92-9F16-7A6F2501B303}" type="datetime8">
               <a:rPr lang="en-US" smtClean="0"/>
-              <a:t>3/2/20 6:00 AM</a:t>
+              <a:t>8/28/2020 9:59 AM</a:t>
             </a:fld>
             <a:endParaRPr lang="en-US" dirty="0"/>
           </a:p>
@@ -950,7 +950,7 @@
           <a:p>
             <a:fld id="{D18B56EA-E28F-4F92-9F16-7A6F2501B303}" type="datetime8">
               <a:rPr lang="en-US" smtClean="0"/>
-              <a:t>3/2/20 6:00 AM</a:t>
+              <a:t>8/28/2020 9:59 AM</a:t>
             </a:fld>
             <a:endParaRPr lang="en-US" dirty="0"/>
           </a:p>
@@ -1131,7 +1131,7 @@
           <a:p>
             <a:fld id="{D18B56EA-E28F-4F92-9F16-7A6F2501B303}" type="datetime8">
               <a:rPr lang="en-US" smtClean="0"/>
-              <a:t>3/2/20 6:00 AM</a:t>
+              <a:t>8/28/2020 9:59 AM</a:t>
             </a:fld>
             <a:endParaRPr lang="en-US" dirty="0"/>
           </a:p>
@@ -1312,7 +1312,7 @@
           <a:p>
             <a:fld id="{D18B56EA-E28F-4F92-9F16-7A6F2501B303}" type="datetime8">
               <a:rPr lang="en-US" smtClean="0"/>
-              <a:t>3/2/20 6:00 AM</a:t>
+              <a:t>8/28/2020 9:59 AM</a:t>
             </a:fld>
             <a:endParaRPr lang="en-US" dirty="0"/>
           </a:p>
@@ -1504,7 +1504,7 @@
           <a:p>
             <a:fld id="{D18B56EA-E28F-4F92-9F16-7A6F2501B303}" type="datetime8">
               <a:rPr lang="en-US" smtClean="0"/>
-              <a:t>3/2/20 6:17 AM</a:t>
+              <a:t>8/28/2020 9:59 AM</a:t>
             </a:fld>
             <a:endParaRPr lang="en-US" dirty="0"/>
           </a:p>
@@ -1591,9 +1591,40 @@
           <a:bodyPr/>
           <a:lstStyle/>
           <a:p>
-            <a:r>
-              <a:rPr lang="en-US" dirty="0"/>
-              <a:t>A SharePoint Framework field customizer extension enables developers the ability to customize the rendering of a cell in the display mode of a SharePoint list. These extensions are similar to the SharePoint classic experience customizations of client side rendering (CSR) and </a:t>
+            <a:pPr marL="0" marR="0" lvl="0" indent="0" algn="l" defTabSz="932742" rtl="0" eaLnBrk="1" fontAlgn="auto" latinLnBrk="0" hangingPunct="1">
+              <a:lnSpc>
+                <a:spcPct val="90000"/>
+              </a:lnSpc>
+              <a:spcBef>
+                <a:spcPts val="0"/>
+              </a:spcBef>
+              <a:spcAft>
+                <a:spcPts val="340"/>
+              </a:spcAft>
+              <a:buClrTx/>
+              <a:buSzTx/>
+              <a:buFontTx/>
+              <a:buNone/>
+              <a:tabLst/>
+              <a:defRPr/>
+            </a:pPr>
+            <a:r>
+              <a:rPr lang="en-US" dirty="0"/>
+              <a:t>A SharePoint Framework field customizer extension enables developers to customize the </a:t>
+            </a:r>
+            <a:r>
+              <a:rPr lang="en-US" b="0" dirty="0">
+                <a:solidFill>
+                  <a:srgbClr val="000000"/>
+                </a:solidFill>
+                <a:effectLst/>
+                <a:latin typeface="Consolas" panose="020B0609020204030204" pitchFamily="49" charset="0"/>
+              </a:rPr>
+              <a:t>of a field in a SharePoint list view</a:t>
+            </a:r>
+            <a:r>
+              <a:rPr lang="en-US" dirty="0"/>
+              <a:t>. These extensions are similar to the SharePoint classic experience customizations of client side rendering (CSR) and </a:t>
             </a:r>
             <a:r>
               <a:rPr lang="en-US" dirty="0" err="1"/>
@@ -1738,7 +1769,7 @@
           <a:p>
             <a:fld id="{D18B56EA-E28F-4F92-9F16-7A6F2501B303}" type="datetime8">
               <a:rPr lang="en-US" smtClean="0"/>
-              <a:t>3/2/20 6:27 AM</a:t>
+              <a:t>8/28/2020 9:59 AM</a:t>
             </a:fld>
             <a:endParaRPr lang="en-US" dirty="0"/>
           </a:p>
@@ -2038,7 +2069,7 @@
           <a:p>
             <a:fld id="{D18B56EA-E28F-4F92-9F16-7A6F2501B303}" type="datetime8">
               <a:rPr lang="en-US" smtClean="0"/>
-              <a:t>3/2/20 6:37 AM</a:t>
+              <a:t>8/28/2020 9:59 AM</a:t>
             </a:fld>
             <a:endParaRPr lang="en-US" dirty="0"/>
           </a:p>
@@ -2291,7 +2322,7 @@
           <a:p>
             <a:fld id="{D18B56EA-E28F-4F92-9F16-7A6F2501B303}" type="datetime8">
               <a:rPr lang="en-US" smtClean="0"/>
-              <a:t>3/2/20 6:52 AM</a:t>
+              <a:t>8/28/2020 9:59 AM</a:t>
             </a:fld>
             <a:endParaRPr lang="en-US" dirty="0"/>
           </a:p>
@@ -2380,7 +2411,7 @@
           <a:p>
             <a:r>
               <a:rPr lang="en-US" dirty="0"/>
-              <a:t>Now let's look at how you can debug and text SharePoint Framework extensions. Unlike client-side web parts, extensions require a live SharePoint site, list, or library. This means you can't test extensions in either the local or SharePoint-hosted workbench. You can still build and host extensions projects locally while debugging and testing in a remote SharePoint site.</a:t>
+              <a:t>Now let's look at how you can debug and test SharePoint Framework extensions. Unlike client-side web parts, extensions require a live SharePoint site, list, or library. This means you can't test extensions in either the local or SharePoint-hosted workbench. You can still build and host extensions projects locally while debugging and testing in a remote SharePoint site.</a:t>
             </a:r>
           </a:p>
           <a:p>
@@ -2569,7 +2600,7 @@
           <a:p>
             <a:fld id="{D18B56EA-E28F-4F92-9F16-7A6F2501B303}" type="datetime8">
               <a:rPr lang="en-US" smtClean="0"/>
-              <a:t>3/2/20 6:43 AM</a:t>
+              <a:t>8/28/2020 9:59 AM</a:t>
             </a:fld>
             <a:endParaRPr lang="en-US" dirty="0"/>
           </a:p>
@@ -2776,7 +2807,7 @@
           <a:p>
             <a:fld id="{D18B56EA-E28F-4F92-9F16-7A6F2501B303}" type="datetime8">
               <a:rPr lang="en-US" smtClean="0"/>
-              <a:t>3/2/20 6:50 AM</a:t>
+              <a:t>8/28/2020 9:59 AM</a:t>
             </a:fld>
             <a:endParaRPr lang="en-US" dirty="0"/>
           </a:p>
@@ -2957,7 +2988,7 @@
           <a:p>
             <a:fld id="{D18B56EA-E28F-4F92-9F16-7A6F2501B303}" type="datetime8">
               <a:rPr lang="en-US" smtClean="0"/>
-              <a:t>3/2/20 6:00 AM</a:t>
+              <a:t>8/28/2020 9:59 AM</a:t>
             </a:fld>
             <a:endParaRPr lang="en-US" dirty="0"/>
           </a:p>
@@ -3138,7 +3169,7 @@
           <a:p>
             <a:fld id="{D18B56EA-E28F-4F92-9F16-7A6F2501B303}" type="datetime8">
               <a:rPr lang="en-US" smtClean="0"/>
-              <a:t>3/2/20 6:00 AM</a:t>
+              <a:t>8/28/2020 9:59 AM</a:t>
             </a:fld>
             <a:endParaRPr lang="en-US" dirty="0"/>
           </a:p>
@@ -16659,7 +16690,7 @@
           <a:p>
             <a:r>
               <a:rPr lang="en-US" dirty="0"/>
-              <a:t>Customize rendering of cell in list view display mode</a:t>
+              <a:t>Customize of a field in a SharePoint list view</a:t>
             </a:r>
           </a:p>
           <a:p>

--- a/02 fieldcustomizer.pptx
+++ b/02 fieldcustomizer.pptx
@@ -270,7 +270,7 @@
               <a:rPr lang="en-US" smtClean="0">
                 <a:latin typeface="Segoe UI" pitchFamily="34" charset="0"/>
               </a:rPr>
-              <a:t>8/28/2020 9:59 AM</a:t>
+              <a:t>10/31/2021 2:08 PM</a:t>
             </a:fld>
             <a:endParaRPr lang="en-US" dirty="0">
               <a:latin typeface="Segoe UI" pitchFamily="34" charset="0"/>
@@ -567,7 +567,7 @@
           <a:p>
             <a:fld id="{D18B56EA-E28F-4F92-9F16-7A6F2501B303}" type="datetime8">
               <a:rPr lang="en-US" smtClean="0"/>
-              <a:t>8/28/2020 9:59 AM</a:t>
+              <a:t>10/31/2021 2:08 PM</a:t>
             </a:fld>
             <a:endParaRPr lang="en-US" dirty="0"/>
           </a:p>
@@ -950,7 +950,7 @@
           <a:p>
             <a:fld id="{D18B56EA-E28F-4F92-9F16-7A6F2501B303}" type="datetime8">
               <a:rPr lang="en-US" smtClean="0"/>
-              <a:t>8/28/2020 9:59 AM</a:t>
+              <a:t>10/31/2021 2:08 PM</a:t>
             </a:fld>
             <a:endParaRPr lang="en-US" dirty="0"/>
           </a:p>
@@ -1131,7 +1131,7 @@
           <a:p>
             <a:fld id="{D18B56EA-E28F-4F92-9F16-7A6F2501B303}" type="datetime8">
               <a:rPr lang="en-US" smtClean="0"/>
-              <a:t>8/28/2020 9:59 AM</a:t>
+              <a:t>10/31/2021 2:08 PM</a:t>
             </a:fld>
             <a:endParaRPr lang="en-US" dirty="0"/>
           </a:p>
@@ -1312,7 +1312,7 @@
           <a:p>
             <a:fld id="{D18B56EA-E28F-4F92-9F16-7A6F2501B303}" type="datetime8">
               <a:rPr lang="en-US" smtClean="0"/>
-              <a:t>8/28/2020 9:59 AM</a:t>
+              <a:t>10/31/2021 2:08 PM</a:t>
             </a:fld>
             <a:endParaRPr lang="en-US" dirty="0"/>
           </a:p>
@@ -1504,7 +1504,7 @@
           <a:p>
             <a:fld id="{D18B56EA-E28F-4F92-9F16-7A6F2501B303}" type="datetime8">
               <a:rPr lang="en-US" smtClean="0"/>
-              <a:t>8/28/2020 9:59 AM</a:t>
+              <a:t>10/31/2021 2:08 PM</a:t>
             </a:fld>
             <a:endParaRPr lang="en-US" dirty="0"/>
           </a:p>
@@ -1769,7 +1769,7 @@
           <a:p>
             <a:fld id="{D18B56EA-E28F-4F92-9F16-7A6F2501B303}" type="datetime8">
               <a:rPr lang="en-US" smtClean="0"/>
-              <a:t>8/28/2020 9:59 AM</a:t>
+              <a:t>10/31/2021 2:08 PM</a:t>
             </a:fld>
             <a:endParaRPr lang="en-US" dirty="0"/>
           </a:p>
@@ -2069,7 +2069,7 @@
           <a:p>
             <a:fld id="{D18B56EA-E28F-4F92-9F16-7A6F2501B303}" type="datetime8">
               <a:rPr lang="en-US" smtClean="0"/>
-              <a:t>8/28/2020 9:59 AM</a:t>
+              <a:t>10/31/2021 2:08 PM</a:t>
             </a:fld>
             <a:endParaRPr lang="en-US" dirty="0"/>
           </a:p>
@@ -2322,7 +2322,7 @@
           <a:p>
             <a:fld id="{D18B56EA-E28F-4F92-9F16-7A6F2501B303}" type="datetime8">
               <a:rPr lang="en-US" smtClean="0"/>
-              <a:t>8/28/2020 9:59 AM</a:t>
+              <a:t>10/31/2021 2:08 PM</a:t>
             </a:fld>
             <a:endParaRPr lang="en-US" dirty="0"/>
           </a:p>
@@ -2411,16 +2411,7 @@
           <a:p>
             <a:r>
               <a:rPr lang="en-US" dirty="0"/>
-              <a:t>Now let's look at how you can debug and test SharePoint Framework extensions. Unlike client-side web parts, extensions require a live SharePoint site, list, or library. This means you can't test extensions in either the local or SharePoint-hosted workbench. You can still build and host extensions projects locally while debugging and testing in a remote SharePoint site.</a:t>
-            </a:r>
-          </a:p>
-          <a:p>
-            <a:endParaRPr lang="en-US" dirty="0"/>
-          </a:p>
-          <a:p>
-            <a:r>
-              <a:rPr lang="en-US" dirty="0"/>
-              <a:t>The testing experience is similar to the experience when you use the hosted SharePoint workbench for a web part development testing and debugging.</a:t>
+              <a:t>Now let's look at how you can debug and test SharePoint Framework field customizer extensions. The SharePoint workbench doesn't support testing extensions. However, you can still build and host extensions projects locally while debugging and testing in a remote SharePoint site.</a:t>
             </a:r>
           </a:p>
           <a:p>
@@ -2600,7 +2591,7 @@
           <a:p>
             <a:fld id="{D18B56EA-E28F-4F92-9F16-7A6F2501B303}" type="datetime8">
               <a:rPr lang="en-US" smtClean="0"/>
-              <a:t>8/28/2020 9:59 AM</a:t>
+              <a:t>10/31/2021 2:08 PM</a:t>
             </a:fld>
             <a:endParaRPr lang="en-US" dirty="0"/>
           </a:p>
@@ -2807,7 +2798,7 @@
           <a:p>
             <a:fld id="{D18B56EA-E28F-4F92-9F16-7A6F2501B303}" type="datetime8">
               <a:rPr lang="en-US" smtClean="0"/>
-              <a:t>8/28/2020 9:59 AM</a:t>
+              <a:t>10/31/2021 2:08 PM</a:t>
             </a:fld>
             <a:endParaRPr lang="en-US" dirty="0"/>
           </a:p>
@@ -2988,7 +2979,7 @@
           <a:p>
             <a:fld id="{D18B56EA-E28F-4F92-9F16-7A6F2501B303}" type="datetime8">
               <a:rPr lang="en-US" smtClean="0"/>
-              <a:t>8/28/2020 9:59 AM</a:t>
+              <a:t>10/31/2021 2:08 PM</a:t>
             </a:fld>
             <a:endParaRPr lang="en-US" dirty="0"/>
           </a:p>
@@ -3169,7 +3160,7 @@
           <a:p>
             <a:fld id="{D18B56EA-E28F-4F92-9F16-7A6F2501B303}" type="datetime8">
               <a:rPr lang="en-US" smtClean="0"/>
-              <a:t>8/28/2020 9:59 AM</a:t>
+              <a:t>10/31/2021 2:08 PM</a:t>
             </a:fld>
             <a:endParaRPr lang="en-US" dirty="0"/>
           </a:p>
@@ -17379,7 +17370,7 @@
         <p:spPr>
           <a:xfrm>
             <a:off x="274638" y="1212850"/>
-            <a:ext cx="11887200" cy="3360920"/>
+            <a:ext cx="11887200" cy="2806922"/>
           </a:xfrm>
         </p:spPr>
         <p:txBody>
@@ -17388,7 +17379,7 @@
           <a:p>
             <a:r>
               <a:rPr lang="en-US" dirty="0"/>
-              <a:t>Unlike web parts, extensions require a live SharePoint list and/or library</a:t>
+              <a:t>The SharePoint workbench doesn't support testing extensions</a:t>
             </a:r>
           </a:p>
           <a:p>
@@ -17398,20 +17389,6 @@
             <a:r>
               <a:rPr lang="en-US" dirty="0"/>
               <a:t>Can still build and host extension project locally while testing in a remote SharePoint site</a:t>
-            </a:r>
-          </a:p>
-          <a:p>
-            <a:pPr lvl="1"/>
-            <a:r>
-              <a:rPr lang="en-US" dirty="0"/>
-              <a:t>Similar experience to using hosted SharePoint workbench for </a:t>
-            </a:r>
-            <a:br>
-              <a:rPr lang="en-US" dirty="0"/>
-            </a:br>
-            <a:r>
-              <a:rPr lang="en-US" dirty="0"/>
-              <a:t>web part development, testing &amp; debugging</a:t>
             </a:r>
           </a:p>
           <a:p>

--- a/02 fieldcustomizer.pptx
+++ b/02 fieldcustomizer.pptx
@@ -270,7 +270,7 @@
               <a:rPr lang="en-US" smtClean="0">
                 <a:latin typeface="Segoe UI" pitchFamily="34" charset="0"/>
               </a:rPr>
-              <a:t>10/31/2021 2:08 PM</a:t>
+              <a:t>11/18/2022 10:12 AM</a:t>
             </a:fld>
             <a:endParaRPr lang="en-US" dirty="0">
               <a:latin typeface="Segoe UI" pitchFamily="34" charset="0"/>
@@ -567,7 +567,7 @@
           <a:p>
             <a:fld id="{D18B56EA-E28F-4F92-9F16-7A6F2501B303}" type="datetime8">
               <a:rPr lang="en-US" smtClean="0"/>
-              <a:t>10/31/2021 2:08 PM</a:t>
+              <a:t>11/18/2022 10:12 AM</a:t>
             </a:fld>
             <a:endParaRPr lang="en-US" dirty="0"/>
           </a:p>
@@ -950,7 +950,7 @@
           <a:p>
             <a:fld id="{D18B56EA-E28F-4F92-9F16-7A6F2501B303}" type="datetime8">
               <a:rPr lang="en-US" smtClean="0"/>
-              <a:t>10/31/2021 2:08 PM</a:t>
+              <a:t>11/18/2022 10:12 AM</a:t>
             </a:fld>
             <a:endParaRPr lang="en-US" dirty="0"/>
           </a:p>
@@ -1131,7 +1131,7 @@
           <a:p>
             <a:fld id="{D18B56EA-E28F-4F92-9F16-7A6F2501B303}" type="datetime8">
               <a:rPr lang="en-US" smtClean="0"/>
-              <a:t>10/31/2021 2:08 PM</a:t>
+              <a:t>11/18/2022 10:12 AM</a:t>
             </a:fld>
             <a:endParaRPr lang="en-US" dirty="0"/>
           </a:p>
@@ -1312,7 +1312,7 @@
           <a:p>
             <a:fld id="{D18B56EA-E28F-4F92-9F16-7A6F2501B303}" type="datetime8">
               <a:rPr lang="en-US" smtClean="0"/>
-              <a:t>10/31/2021 2:08 PM</a:t>
+              <a:t>11/18/2022 10:12 AM</a:t>
             </a:fld>
             <a:endParaRPr lang="en-US" dirty="0"/>
           </a:p>
@@ -1504,7 +1504,7 @@
           <a:p>
             <a:fld id="{D18B56EA-E28F-4F92-9F16-7A6F2501B303}" type="datetime8">
               <a:rPr lang="en-US" smtClean="0"/>
-              <a:t>10/31/2021 2:08 PM</a:t>
+              <a:t>11/18/2022 10:12 AM</a:t>
             </a:fld>
             <a:endParaRPr lang="en-US" dirty="0"/>
           </a:p>
@@ -1769,7 +1769,7 @@
           <a:p>
             <a:fld id="{D18B56EA-E28F-4F92-9F16-7A6F2501B303}" type="datetime8">
               <a:rPr lang="en-US" smtClean="0"/>
-              <a:t>10/31/2021 2:08 PM</a:t>
+              <a:t>11/18/2022 10:12 AM</a:t>
             </a:fld>
             <a:endParaRPr lang="en-US" dirty="0"/>
           </a:p>
@@ -2069,7 +2069,7 @@
           <a:p>
             <a:fld id="{D18B56EA-E28F-4F92-9F16-7A6F2501B303}" type="datetime8">
               <a:rPr lang="en-US" smtClean="0"/>
-              <a:t>10/31/2021 2:08 PM</a:t>
+              <a:t>11/18/2022 10:12 AM</a:t>
             </a:fld>
             <a:endParaRPr lang="en-US" dirty="0"/>
           </a:p>
@@ -2322,7 +2322,7 @@
           <a:p>
             <a:fld id="{D18B56EA-E28F-4F92-9F16-7A6F2501B303}" type="datetime8">
               <a:rPr lang="en-US" smtClean="0"/>
-              <a:t>10/31/2021 2:08 PM</a:t>
+              <a:t>11/18/2022 10:12 AM</a:t>
             </a:fld>
             <a:endParaRPr lang="en-US" dirty="0"/>
           </a:p>
@@ -2591,7 +2591,7 @@
           <a:p>
             <a:fld id="{D18B56EA-E28F-4F92-9F16-7A6F2501B303}" type="datetime8">
               <a:rPr lang="en-US" smtClean="0"/>
-              <a:t>10/31/2021 2:08 PM</a:t>
+              <a:t>11/18/2022 10:12 AM</a:t>
             </a:fld>
             <a:endParaRPr lang="en-US" dirty="0"/>
           </a:p>
@@ -2798,7 +2798,7 @@
           <a:p>
             <a:fld id="{D18B56EA-E28F-4F92-9F16-7A6F2501B303}" type="datetime8">
               <a:rPr lang="en-US" smtClean="0"/>
-              <a:t>10/31/2021 2:08 PM</a:t>
+              <a:t>11/18/2022 10:12 AM</a:t>
             </a:fld>
             <a:endParaRPr lang="en-US" dirty="0"/>
           </a:p>
@@ -2979,7 +2979,7 @@
           <a:p>
             <a:fld id="{D18B56EA-E28F-4F92-9F16-7A6F2501B303}" type="datetime8">
               <a:rPr lang="en-US" smtClean="0"/>
-              <a:t>10/31/2021 2:08 PM</a:t>
+              <a:t>11/18/2022 10:12 AM</a:t>
             </a:fld>
             <a:endParaRPr lang="en-US" dirty="0"/>
           </a:p>
@@ -3160,7 +3160,7 @@
           <a:p>
             <a:fld id="{D18B56EA-E28F-4F92-9F16-7A6F2501B303}" type="datetime8">
               <a:rPr lang="en-US" smtClean="0"/>
-              <a:t>10/31/2021 2:08 PM</a:t>
+              <a:t>11/18/2022 10:12 AM</a:t>
             </a:fld>
             <a:endParaRPr lang="en-US" dirty="0"/>
           </a:p>
@@ -16134,7 +16134,7 @@
                 <a:latin typeface="+mj-lt"/>
                 <a:hlinkClick r:id="rId3"/>
               </a:rPr>
-              <a:t>https://docs.microsoft.com/sharepoint/dev/spfx/sharepoint-framework-overview</a:t>
+              <a:t>https://learn.microsoft.com/sharepoint/dev/spfx/sharepoint-framework-overview</a:t>
             </a:r>
             <a:endParaRPr lang="en-US" sz="1800" dirty="0">
               <a:latin typeface="+mj-lt"/>
@@ -16196,7 +16196,7 @@
                 <a:latin typeface="+mj-lt"/>
                 <a:hlinkClick r:id="rId4"/>
               </a:rPr>
-              <a:t>https://docs.microsoft.com/sharepoint/dev/spfx/extensions/overview-extensions</a:t>
+              <a:t>https://learn.microsoft.com/sharepoint/dev/spfx/extensions/overview-extensions</a:t>
             </a:r>
             <a:r>
               <a:rPr lang="en-US" sz="1800" dirty="0">
@@ -16254,7 +16254,7 @@
                 <a:latin typeface="+mj-lt"/>
                 <a:hlinkClick r:id="rId5"/>
               </a:rPr>
-              <a:t>https://docs.microsoft.com/sharepoint/dev/spfx/extensions/get-started/building-simple-field-customizer</a:t>
+              <a:t>https://learn.microsoft.com/sharepoint/dev/spfx/extensions/get-started/building-simple-field-customizer</a:t>
             </a:r>
             <a:r>
               <a:rPr lang="en-US" sz="1800" dirty="0">
